--- a/Project/2015180012박건호 2D 게임 프로그래밍 프로젝트 중간발표.pptx
+++ b/Project/2015180012박건호 2D 게임 프로그래밍 프로젝트 중간발표.pptx
@@ -5,8 +5,11 @@
     <p:sldMasterId id="2147483677" r:id="rId1"/>
   </p:sldMasterIdLst>
   <p:sldIdLst>
-    <p:sldId id="256" r:id="rId2"/>
-    <p:sldId id="257" r:id="rId3"/>
+    <p:sldId id="258" r:id="rId2"/>
+    <p:sldId id="259" r:id="rId3"/>
+    <p:sldId id="261" r:id="rId4"/>
+    <p:sldId id="263" r:id="rId5"/>
+    <p:sldId id="257" r:id="rId6"/>
   </p:sldIdLst>
   <p:sldSz cx="12192000" cy="6858000"/>
   <p:notesSz cx="6858000" cy="9144000"/>
@@ -106,6 +109,11 @@
       </a:defRPr>
     </a:lvl9pPr>
   </p:defaultTextStyle>
+  <p:extLst>
+    <p:ext uri="{EFAFB233-063F-42B5-8137-9DF3F51BA10A}">
+      <p15:sldGuideLst xmlns:p15="http://schemas.microsoft.com/office/powerpoint/2012/main"/>
+    </p:ext>
+  </p:extLst>
 </p:presentation>
 </file>
 
@@ -854,7 +862,7 @@
           <a:p>
             <a:fld id="{B83E1489-8EFD-487A-B64F-3DC10DF4146F}" type="datetimeFigureOut">
               <a:rPr lang="ko-KR" altLang="en-US" smtClean="0"/>
-              <a:t>2018-11-01</a:t>
+              <a:t>2018-11-04</a:t>
             </a:fld>
             <a:endParaRPr lang="ko-KR" altLang="en-US"/>
           </a:p>
@@ -1105,7 +1113,7 @@
           <a:p>
             <a:fld id="{B83E1489-8EFD-487A-B64F-3DC10DF4146F}" type="datetimeFigureOut">
               <a:rPr lang="ko-KR" altLang="en-US" smtClean="0"/>
-              <a:t>2018-11-01</a:t>
+              <a:t>2018-11-04</a:t>
             </a:fld>
             <a:endParaRPr lang="ko-KR" altLang="en-US"/>
           </a:p>
@@ -1419,7 +1427,7 @@
           <a:p>
             <a:fld id="{B83E1489-8EFD-487A-B64F-3DC10DF4146F}" type="datetimeFigureOut">
               <a:rPr lang="ko-KR" altLang="en-US" smtClean="0"/>
-              <a:t>2018-11-01</a:t>
+              <a:t>2018-11-04</a:t>
             </a:fld>
             <a:endParaRPr lang="ko-KR" altLang="en-US"/>
           </a:p>
@@ -1752,7 +1760,7 @@
           <a:p>
             <a:fld id="{B83E1489-8EFD-487A-B64F-3DC10DF4146F}" type="datetimeFigureOut">
               <a:rPr lang="ko-KR" altLang="en-US" smtClean="0"/>
-              <a:t>2018-11-01</a:t>
+              <a:t>2018-11-04</a:t>
             </a:fld>
             <a:endParaRPr lang="ko-KR" altLang="en-US"/>
           </a:p>
@@ -2066,7 +2074,7 @@
           <a:p>
             <a:fld id="{B83E1489-8EFD-487A-B64F-3DC10DF4146F}" type="datetimeFigureOut">
               <a:rPr lang="ko-KR" altLang="en-US" smtClean="0"/>
-              <a:t>2018-11-01</a:t>
+              <a:t>2018-11-04</a:t>
             </a:fld>
             <a:endParaRPr lang="ko-KR" altLang="en-US"/>
           </a:p>
@@ -2459,7 +2467,7 @@
           <a:p>
             <a:fld id="{B83E1489-8EFD-487A-B64F-3DC10DF4146F}" type="datetimeFigureOut">
               <a:rPr lang="ko-KR" altLang="en-US" smtClean="0"/>
-              <a:t>2018-11-01</a:t>
+              <a:t>2018-11-04</a:t>
             </a:fld>
             <a:endParaRPr lang="ko-KR" altLang="en-US"/>
           </a:p>
@@ -2629,7 +2637,7 @@
           <a:p>
             <a:fld id="{B83E1489-8EFD-487A-B64F-3DC10DF4146F}" type="datetimeFigureOut">
               <a:rPr lang="ko-KR" altLang="en-US" smtClean="0"/>
-              <a:t>2018-11-01</a:t>
+              <a:t>2018-11-04</a:t>
             </a:fld>
             <a:endParaRPr lang="ko-KR" altLang="en-US"/>
           </a:p>
@@ -2809,7 +2817,7 @@
           <a:p>
             <a:fld id="{B83E1489-8EFD-487A-B64F-3DC10DF4146F}" type="datetimeFigureOut">
               <a:rPr lang="ko-KR" altLang="en-US" smtClean="0"/>
-              <a:t>2018-11-01</a:t>
+              <a:t>2018-11-04</a:t>
             </a:fld>
             <a:endParaRPr lang="ko-KR" altLang="en-US"/>
           </a:p>
@@ -2979,7 +2987,7 @@
           <a:p>
             <a:fld id="{B83E1489-8EFD-487A-B64F-3DC10DF4146F}" type="datetimeFigureOut">
               <a:rPr lang="ko-KR" altLang="en-US" smtClean="0"/>
-              <a:t>2018-11-01</a:t>
+              <a:t>2018-11-04</a:t>
             </a:fld>
             <a:endParaRPr lang="ko-KR" altLang="en-US"/>
           </a:p>
@@ -3226,7 +3234,7 @@
           <a:p>
             <a:fld id="{B83E1489-8EFD-487A-B64F-3DC10DF4146F}" type="datetimeFigureOut">
               <a:rPr lang="ko-KR" altLang="en-US" smtClean="0"/>
-              <a:t>2018-11-01</a:t>
+              <a:t>2018-11-04</a:t>
             </a:fld>
             <a:endParaRPr lang="ko-KR" altLang="en-US"/>
           </a:p>
@@ -3458,7 +3466,7 @@
           <a:p>
             <a:fld id="{B83E1489-8EFD-487A-B64F-3DC10DF4146F}" type="datetimeFigureOut">
               <a:rPr lang="ko-KR" altLang="en-US" smtClean="0"/>
-              <a:t>2018-11-01</a:t>
+              <a:t>2018-11-04</a:t>
             </a:fld>
             <a:endParaRPr lang="ko-KR" altLang="en-US"/>
           </a:p>
@@ -3832,7 +3840,7 @@
           <a:p>
             <a:fld id="{B83E1489-8EFD-487A-B64F-3DC10DF4146F}" type="datetimeFigureOut">
               <a:rPr lang="ko-KR" altLang="en-US" smtClean="0"/>
-              <a:t>2018-11-01</a:t>
+              <a:t>2018-11-04</a:t>
             </a:fld>
             <a:endParaRPr lang="ko-KR" altLang="en-US"/>
           </a:p>
@@ -3955,7 +3963,7 @@
           <a:p>
             <a:fld id="{B83E1489-8EFD-487A-B64F-3DC10DF4146F}" type="datetimeFigureOut">
               <a:rPr lang="ko-KR" altLang="en-US" smtClean="0"/>
-              <a:t>2018-11-01</a:t>
+              <a:t>2018-11-04</a:t>
             </a:fld>
             <a:endParaRPr lang="ko-KR" altLang="en-US"/>
           </a:p>
@@ -4050,7 +4058,7 @@
           <a:p>
             <a:fld id="{B83E1489-8EFD-487A-B64F-3DC10DF4146F}" type="datetimeFigureOut">
               <a:rPr lang="ko-KR" altLang="en-US" smtClean="0"/>
-              <a:t>2018-11-01</a:t>
+              <a:t>2018-11-04</a:t>
             </a:fld>
             <a:endParaRPr lang="ko-KR" altLang="en-US"/>
           </a:p>
@@ -4305,7 +4313,7 @@
           <a:p>
             <a:fld id="{B83E1489-8EFD-487A-B64F-3DC10DF4146F}" type="datetimeFigureOut">
               <a:rPr lang="ko-KR" altLang="en-US" smtClean="0"/>
-              <a:t>2018-11-01</a:t>
+              <a:t>2018-11-04</a:t>
             </a:fld>
             <a:endParaRPr lang="ko-KR" altLang="en-US"/>
           </a:p>
@@ -4610,7 +4618,7 @@
           <a:p>
             <a:fld id="{B83E1489-8EFD-487A-B64F-3DC10DF4146F}" type="datetimeFigureOut">
               <a:rPr lang="ko-KR" altLang="en-US" smtClean="0"/>
-              <a:t>2018-11-01</a:t>
+              <a:t>2018-11-04</a:t>
             </a:fld>
             <a:endParaRPr lang="ko-KR" altLang="en-US"/>
           </a:p>
@@ -5312,7 +5320,7 @@
           <a:p>
             <a:fld id="{B83E1489-8EFD-487A-B64F-3DC10DF4146F}" type="datetimeFigureOut">
               <a:rPr lang="ko-KR" altLang="en-US" smtClean="0"/>
-              <a:t>2018-11-01</a:t>
+              <a:t>2018-11-04</a:t>
             </a:fld>
             <a:endParaRPr lang="ko-KR" altLang="en-US"/>
           </a:p>
@@ -5841,7 +5849,7 @@
           <p:cNvPr id="2" name="제목 1">
             <a:extLst>
               <a:ext uri="{FF2B5EF4-FFF2-40B4-BE49-F238E27FC236}">
-                <a16:creationId xmlns:a16="http://schemas.microsoft.com/office/drawing/2014/main" id="{399E3B15-4C2D-4CB1-9464-405685F845B8}"/>
+                <a16:creationId xmlns:a16="http://schemas.microsoft.com/office/drawing/2014/main" id="{ECF538AC-93DE-452F-853A-A4C3B5421B12}"/>
               </a:ext>
             </a:extLst>
           </p:cNvPr>
@@ -5858,8 +5866,12 @@
           <a:lstStyle/>
           <a:p>
             <a:r>
-              <a:rPr lang="ko-KR" altLang="en-US"/>
-              <a:t>사진 앨범</a:t>
+              <a:rPr lang="en-US" altLang="ko-KR" dirty="0"/>
+              <a:t>2D </a:t>
+            </a:r>
+            <a:r>
+              <a:rPr lang="ko-KR" altLang="en-US" dirty="0"/>
+              <a:t>게임 프로그래밍</a:t>
             </a:r>
           </a:p>
         </p:txBody>
@@ -5869,7 +5881,7 @@
           <p:cNvPr id="3" name="부제목 2">
             <a:extLst>
               <a:ext uri="{FF2B5EF4-FFF2-40B4-BE49-F238E27FC236}">
-                <a16:creationId xmlns:a16="http://schemas.microsoft.com/office/drawing/2014/main" id="{D3DB3B9F-BA84-42DF-BF82-7F8404D1970A}"/>
+                <a16:creationId xmlns:a16="http://schemas.microsoft.com/office/drawing/2014/main" id="{2F73C00A-3B65-47CA-840B-CDC7D587AA3E}"/>
               </a:ext>
             </a:extLst>
           </p:cNvPr>
@@ -5882,16 +5894,68 @@
         </p:nvSpPr>
         <p:spPr/>
         <p:txBody>
-          <a:bodyPr/>
+          <a:bodyPr>
+            <a:noAutofit/>
+          </a:bodyPr>
           <a:lstStyle/>
           <a:p>
             <a:r>
-              <a:rPr lang="en-US" altLang="ko-KR"/>
-              <a:t>- </a:t>
+              <a:rPr lang="ko-KR" altLang="en-US" sz="2400" b="1" dirty="0">
+                <a:effectLst>
+                  <a:outerShdw blurRad="38100" dist="38100" dir="2700000" algn="tl">
+                    <a:srgbClr val="000000">
+                      <a:alpha val="43137"/>
+                    </a:srgbClr>
+                  </a:outerShdw>
+                </a:effectLst>
+              </a:rPr>
+              <a:t>프로젝트</a:t>
+            </a:r>
+            <a:endParaRPr lang="en-US" altLang="ko-KR" sz="2400" b="1" dirty="0">
+              <a:effectLst>
+                <a:outerShdw blurRad="38100" dist="38100" dir="2700000" algn="tl">
+                  <a:srgbClr val="000000">
+                    <a:alpha val="43137"/>
+                  </a:srgbClr>
+                </a:outerShdw>
+              </a:effectLst>
+            </a:endParaRPr>
+          </a:p>
+          <a:p>
+            <a:endParaRPr lang="en-US" altLang="ko-KR" sz="2400" b="1" dirty="0">
+              <a:effectLst>
+                <a:outerShdw blurRad="38100" dist="38100" dir="2700000" algn="tl">
+                  <a:srgbClr val="000000">
+                    <a:alpha val="43137"/>
+                  </a:srgbClr>
+                </a:outerShdw>
+              </a:effectLst>
+            </a:endParaRPr>
+          </a:p>
+          <a:p>
+            <a:r>
+              <a:rPr lang="en-US" altLang="ko-KR" sz="2400" b="1" dirty="0">
+                <a:effectLst>
+                  <a:outerShdw blurRad="38100" dist="38100" dir="2700000" algn="tl">
+                    <a:srgbClr val="000000">
+                      <a:alpha val="43137"/>
+                    </a:srgbClr>
+                  </a:outerShdw>
+                </a:effectLst>
+              </a:rPr>
+              <a:t>2015180012 </a:t>
             </a:r>
             <a:r>
-              <a:rPr lang="ko-KR" altLang="en-US"/>
-              <a:t>박 건호</a:t>
+              <a:rPr lang="ko-KR" altLang="en-US" sz="2400" b="1" dirty="0">
+                <a:effectLst>
+                  <a:outerShdw blurRad="38100" dist="38100" dir="2700000" algn="tl">
+                    <a:srgbClr val="000000">
+                      <a:alpha val="43137"/>
+                    </a:srgbClr>
+                  </a:outerShdw>
+                </a:effectLst>
+              </a:rPr>
+              <a:t>박건호</a:t>
             </a:r>
           </a:p>
         </p:txBody>
@@ -5899,7 +5963,7 @@
     </p:spTree>
     <p:extLst>
       <p:ext uri="{BB962C8B-B14F-4D97-AF65-F5344CB8AC3E}">
-        <p14:creationId xmlns:p14="http://schemas.microsoft.com/office/powerpoint/2010/main" val="4235366356"/>
+        <p14:creationId xmlns:p14="http://schemas.microsoft.com/office/powerpoint/2010/main" val="604709566"/>
       </p:ext>
     </p:extLst>
   </p:cSld>
@@ -5910,6 +5974,3558 @@
 </file>
 
 <file path=ppt/slides/slide2.xml><?xml version="1.0" encoding="utf-8"?>
+<p:sld xmlns:a="http://schemas.openxmlformats.org/drawingml/2006/main" xmlns:r="http://schemas.openxmlformats.org/officeDocument/2006/relationships" xmlns:p="http://schemas.openxmlformats.org/presentationml/2006/main">
+  <p:cSld>
+    <p:bg>
+      <p:bgPr>
+        <a:solidFill>
+          <a:schemeClr val="bg1"/>
+        </a:solidFill>
+        <a:effectLst/>
+      </p:bgPr>
+    </p:bg>
+    <p:spTree>
+      <p:nvGrpSpPr>
+        <p:cNvPr id="1" name=""/>
+        <p:cNvGrpSpPr/>
+        <p:nvPr/>
+      </p:nvGrpSpPr>
+      <p:grpSpPr>
+        <a:xfrm>
+          <a:off x="0" y="0"/>
+          <a:ext cx="0" cy="0"/>
+          <a:chOff x="0" y="0"/>
+          <a:chExt cx="0" cy="0"/>
+        </a:xfrm>
+      </p:grpSpPr>
+      <p:pic>
+        <p:nvPicPr>
+          <p:cNvPr id="5" name="그림 4">
+            <a:extLst>
+              <a:ext uri="{FF2B5EF4-FFF2-40B4-BE49-F238E27FC236}">
+                <a16:creationId xmlns:a16="http://schemas.microsoft.com/office/drawing/2014/main" id="{1E35D53A-7E13-4572-87B5-61E8FA365CC8}"/>
+              </a:ext>
+            </a:extLst>
+          </p:cNvPr>
+          <p:cNvPicPr>
+            <a:picLocks noChangeAspect="1"/>
+          </p:cNvPicPr>
+          <p:nvPr/>
+        </p:nvPicPr>
+        <p:blipFill rotWithShape="1">
+          <a:blip r:embed="rId2">
+            <a:extLst>
+              <a:ext uri="{28A0092B-C50C-407E-A947-70E740481C1C}">
+                <a14:useLocalDpi xmlns:a14="http://schemas.microsoft.com/office/drawing/2010/main" val="0"/>
+              </a:ext>
+            </a:extLst>
+          </a:blip>
+          <a:srcRect l="980" r="12670" b="-2"/>
+          <a:stretch/>
+        </p:blipFill>
+        <p:spPr>
+          <a:xfrm>
+            <a:off x="4208655" y="-8467"/>
+            <a:ext cx="7922146" cy="6858001"/>
+          </a:xfrm>
+          <a:custGeom>
+            <a:avLst/>
+            <a:gdLst>
+              <a:gd name="connsiteX0" fmla="*/ 379987 w 7922146"/>
+              <a:gd name="connsiteY0" fmla="*/ 0 h 6858001"/>
+              <a:gd name="connsiteX1" fmla="*/ 5304971 w 7922146"/>
+              <a:gd name="connsiteY1" fmla="*/ 0 h 6858001"/>
+              <a:gd name="connsiteX2" fmla="*/ 7065281 w 7922146"/>
+              <a:gd name="connsiteY2" fmla="*/ 0 h 6858001"/>
+              <a:gd name="connsiteX3" fmla="*/ 7397540 w 7922146"/>
+              <a:gd name="connsiteY3" fmla="*/ 0 h 6858001"/>
+              <a:gd name="connsiteX4" fmla="*/ 7397540 w 7922146"/>
+              <a:gd name="connsiteY4" fmla="*/ 1 h 6858001"/>
+              <a:gd name="connsiteX5" fmla="*/ 7922146 w 7922146"/>
+              <a:gd name="connsiteY5" fmla="*/ 1 h 6858001"/>
+              <a:gd name="connsiteX6" fmla="*/ 7922146 w 7922146"/>
+              <a:gd name="connsiteY6" fmla="*/ 6858001 h 6858001"/>
+              <a:gd name="connsiteX7" fmla="*/ 7065281 w 7922146"/>
+              <a:gd name="connsiteY7" fmla="*/ 6858001 h 6858001"/>
+              <a:gd name="connsiteX8" fmla="*/ 7065281 w 7922146"/>
+              <a:gd name="connsiteY8" fmla="*/ 6858000 h 6858001"/>
+              <a:gd name="connsiteX9" fmla="*/ 5932989 w 7922146"/>
+              <a:gd name="connsiteY9" fmla="*/ 6858000 h 6858001"/>
+              <a:gd name="connsiteX10" fmla="*/ 5932989 w 7922146"/>
+              <a:gd name="connsiteY10" fmla="*/ 6858001 h 6858001"/>
+              <a:gd name="connsiteX11" fmla="*/ 27809 w 7922146"/>
+              <a:gd name="connsiteY11" fmla="*/ 6858001 h 6858001"/>
+              <a:gd name="connsiteX12" fmla="*/ 1803228 w 7922146"/>
+              <a:gd name="connsiteY12" fmla="*/ 4521201 h 6858001"/>
+              <a:gd name="connsiteX13" fmla="*/ 0 w 7922146"/>
+              <a:gd name="connsiteY13" fmla="*/ 0 h 6858001"/>
+              <a:gd name="connsiteX14" fmla="*/ 379987 w 7922146"/>
+              <a:gd name="connsiteY14" fmla="*/ 0 h 6858001"/>
+              <a:gd name="connsiteX15" fmla="*/ 0 w 7922146"/>
+              <a:gd name="connsiteY15" fmla="*/ 407 h 6858001"/>
+            </a:gdLst>
+            <a:ahLst/>
+            <a:cxnLst>
+              <a:cxn ang="0">
+                <a:pos x="connsiteX0" y="connsiteY0"/>
+              </a:cxn>
+              <a:cxn ang="0">
+                <a:pos x="connsiteX1" y="connsiteY1"/>
+              </a:cxn>
+              <a:cxn ang="0">
+                <a:pos x="connsiteX2" y="connsiteY2"/>
+              </a:cxn>
+              <a:cxn ang="0">
+                <a:pos x="connsiteX3" y="connsiteY3"/>
+              </a:cxn>
+              <a:cxn ang="0">
+                <a:pos x="connsiteX4" y="connsiteY4"/>
+              </a:cxn>
+              <a:cxn ang="0">
+                <a:pos x="connsiteX5" y="connsiteY5"/>
+              </a:cxn>
+              <a:cxn ang="0">
+                <a:pos x="connsiteX6" y="connsiteY6"/>
+              </a:cxn>
+              <a:cxn ang="0">
+                <a:pos x="connsiteX7" y="connsiteY7"/>
+              </a:cxn>
+              <a:cxn ang="0">
+                <a:pos x="connsiteX8" y="connsiteY8"/>
+              </a:cxn>
+              <a:cxn ang="0">
+                <a:pos x="connsiteX9" y="connsiteY9"/>
+              </a:cxn>
+              <a:cxn ang="0">
+                <a:pos x="connsiteX10" y="connsiteY10"/>
+              </a:cxn>
+              <a:cxn ang="0">
+                <a:pos x="connsiteX11" y="connsiteY11"/>
+              </a:cxn>
+              <a:cxn ang="0">
+                <a:pos x="connsiteX12" y="connsiteY12"/>
+              </a:cxn>
+              <a:cxn ang="0">
+                <a:pos x="connsiteX13" y="connsiteY13"/>
+              </a:cxn>
+              <a:cxn ang="0">
+                <a:pos x="connsiteX14" y="connsiteY14"/>
+              </a:cxn>
+              <a:cxn ang="0">
+                <a:pos x="connsiteX15" y="connsiteY15"/>
+              </a:cxn>
+            </a:cxnLst>
+            <a:rect l="l" t="t" r="r" b="b"/>
+            <a:pathLst>
+              <a:path w="7922146" h="6858001">
+                <a:moveTo>
+                  <a:pt x="379987" y="0"/>
+                </a:moveTo>
+                <a:lnTo>
+                  <a:pt x="5304971" y="0"/>
+                </a:lnTo>
+                <a:lnTo>
+                  <a:pt x="7065281" y="0"/>
+                </a:lnTo>
+                <a:lnTo>
+                  <a:pt x="7397540" y="0"/>
+                </a:lnTo>
+                <a:lnTo>
+                  <a:pt x="7397540" y="1"/>
+                </a:lnTo>
+                <a:lnTo>
+                  <a:pt x="7922146" y="1"/>
+                </a:lnTo>
+                <a:lnTo>
+                  <a:pt x="7922146" y="6858001"/>
+                </a:lnTo>
+                <a:lnTo>
+                  <a:pt x="7065281" y="6858001"/>
+                </a:lnTo>
+                <a:lnTo>
+                  <a:pt x="7065281" y="6858000"/>
+                </a:lnTo>
+                <a:lnTo>
+                  <a:pt x="5932989" y="6858000"/>
+                </a:lnTo>
+                <a:lnTo>
+                  <a:pt x="5932989" y="6858001"/>
+                </a:lnTo>
+                <a:lnTo>
+                  <a:pt x="27809" y="6858001"/>
+                </a:lnTo>
+                <a:lnTo>
+                  <a:pt x="1803228" y="4521201"/>
+                </a:lnTo>
+                <a:close/>
+                <a:moveTo>
+                  <a:pt x="0" y="0"/>
+                </a:moveTo>
+                <a:lnTo>
+                  <a:pt x="379987" y="0"/>
+                </a:lnTo>
+                <a:lnTo>
+                  <a:pt x="0" y="407"/>
+                </a:lnTo>
+                <a:close/>
+              </a:path>
+            </a:pathLst>
+          </a:custGeom>
+        </p:spPr>
+      </p:pic>
+      <p:sp>
+        <p:nvSpPr>
+          <p:cNvPr id="2" name="제목 1">
+            <a:extLst>
+              <a:ext uri="{FF2B5EF4-FFF2-40B4-BE49-F238E27FC236}">
+                <a16:creationId xmlns:a16="http://schemas.microsoft.com/office/drawing/2014/main" id="{796426B3-DDB8-4A9B-A16F-BE47CDE524B5}"/>
+              </a:ext>
+            </a:extLst>
+          </p:cNvPr>
+          <p:cNvSpPr>
+            <a:spLocks noGrp="1"/>
+          </p:cNvSpPr>
+          <p:nvPr>
+            <p:ph type="title"/>
+          </p:nvPr>
+        </p:nvSpPr>
+        <p:spPr>
+          <a:xfrm>
+            <a:off x="677333" y="609600"/>
+            <a:ext cx="3851123" cy="1320800"/>
+          </a:xfrm>
+        </p:spPr>
+        <p:txBody>
+          <a:bodyPr>
+            <a:normAutofit/>
+          </a:bodyPr>
+          <a:lstStyle/>
+          <a:p>
+            <a:r>
+              <a:rPr lang="en-US" altLang="ko-KR" b="1">
+                <a:effectLst>
+                  <a:outerShdw blurRad="38100" dist="38100" dir="2700000" algn="tl">
+                    <a:srgbClr val="000000">
+                      <a:alpha val="43137"/>
+                    </a:srgbClr>
+                  </a:outerShdw>
+                </a:effectLst>
+              </a:rPr>
+              <a:t>FCG(Fight Card Game)</a:t>
+            </a:r>
+            <a:endParaRPr lang="ko-KR" altLang="en-US" b="1">
+              <a:effectLst>
+                <a:outerShdw blurRad="38100" dist="38100" dir="2700000" algn="tl">
+                  <a:srgbClr val="000000">
+                    <a:alpha val="43137"/>
+                  </a:srgbClr>
+                </a:outerShdw>
+              </a:effectLst>
+            </a:endParaRPr>
+          </a:p>
+        </p:txBody>
+      </p:sp>
+      <p:sp>
+        <p:nvSpPr>
+          <p:cNvPr id="3" name="내용 개체 틀 2">
+            <a:extLst>
+              <a:ext uri="{FF2B5EF4-FFF2-40B4-BE49-F238E27FC236}">
+                <a16:creationId xmlns:a16="http://schemas.microsoft.com/office/drawing/2014/main" id="{9261AB37-8D99-4869-BD73-D060DD1863D7}"/>
+              </a:ext>
+            </a:extLst>
+          </p:cNvPr>
+          <p:cNvSpPr>
+            <a:spLocks noGrp="1"/>
+          </p:cNvSpPr>
+          <p:nvPr>
+            <p:ph idx="1"/>
+          </p:nvPr>
+        </p:nvSpPr>
+        <p:spPr>
+          <a:xfrm>
+            <a:off x="677334" y="2160589"/>
+            <a:ext cx="3851122" cy="3880773"/>
+          </a:xfrm>
+        </p:spPr>
+        <p:txBody>
+          <a:bodyPr>
+            <a:normAutofit/>
+          </a:bodyPr>
+          <a:lstStyle/>
+          <a:p>
+            <a:r>
+              <a:rPr lang="ko-KR" altLang="en-US" sz="4000" b="1" dirty="0"/>
+              <a:t>게임 컨셉</a:t>
+            </a:r>
+            <a:endParaRPr lang="en-US" altLang="ko-KR" sz="4000" b="1" dirty="0"/>
+          </a:p>
+          <a:p>
+            <a:r>
+              <a:rPr lang="ko-KR" altLang="en-US" b="1" u="sng" dirty="0"/>
+              <a:t>고르고 </a:t>
+            </a:r>
+            <a:endParaRPr lang="en-US" altLang="ko-KR" b="1" u="sng" dirty="0"/>
+          </a:p>
+          <a:p>
+            <a:r>
+              <a:rPr lang="ko-KR" altLang="en-US" b="1" u="sng" dirty="0"/>
+              <a:t>만들어서</a:t>
+            </a:r>
+            <a:endParaRPr lang="en-US" altLang="ko-KR" b="1" u="sng" dirty="0"/>
+          </a:p>
+          <a:p>
+            <a:r>
+              <a:rPr lang="ko-KR" altLang="en-US" b="1" u="sng" dirty="0"/>
+              <a:t>싸워라</a:t>
+            </a:r>
+            <a:endParaRPr lang="en-US" altLang="ko-KR" b="1" u="sng" dirty="0"/>
+          </a:p>
+          <a:p>
+            <a:r>
+              <a:rPr lang="ko-KR" altLang="en-US" dirty="0" err="1"/>
+              <a:t>덱</a:t>
+            </a:r>
+            <a:r>
+              <a:rPr lang="ko-KR" altLang="en-US" dirty="0"/>
+              <a:t> 빌딩 게임</a:t>
+            </a:r>
+            <a:endParaRPr lang="en-US" altLang="ko-KR" dirty="0"/>
+          </a:p>
+          <a:p>
+            <a:r>
+              <a:rPr lang="ko-KR" altLang="en-US" dirty="0" err="1"/>
+              <a:t>덱을</a:t>
+            </a:r>
+            <a:r>
+              <a:rPr lang="ko-KR" altLang="en-US" dirty="0"/>
+              <a:t> 플레이어가 만들고</a:t>
+            </a:r>
+            <a:endParaRPr lang="en-US" altLang="ko-KR" dirty="0"/>
+          </a:p>
+          <a:p>
+            <a:r>
+              <a:rPr lang="ko-KR" altLang="en-US" dirty="0" err="1"/>
+              <a:t>덱에서</a:t>
+            </a:r>
+            <a:r>
+              <a:rPr lang="ko-KR" altLang="en-US" dirty="0"/>
+              <a:t> 카드가 매 턴 </a:t>
+            </a:r>
+            <a:r>
+              <a:rPr lang="en-US" altLang="ko-KR" dirty="0"/>
+              <a:t>3</a:t>
+            </a:r>
+            <a:r>
+              <a:rPr lang="ko-KR" altLang="en-US" dirty="0"/>
+              <a:t>장씩 랜덤으로 출력되어 싸운다</a:t>
+            </a:r>
+            <a:r>
+              <a:rPr lang="en-US" altLang="ko-KR" dirty="0"/>
+              <a:t>.</a:t>
+            </a:r>
+            <a:endParaRPr lang="ko-KR" altLang="en-US" dirty="0"/>
+          </a:p>
+        </p:txBody>
+      </p:sp>
+      <p:cxnSp>
+        <p:nvCxnSpPr>
+          <p:cNvPr id="10" name="Straight Connector 9">
+            <a:extLst>
+              <a:ext uri="{FF2B5EF4-FFF2-40B4-BE49-F238E27FC236}">
+                <a16:creationId xmlns:a16="http://schemas.microsoft.com/office/drawing/2014/main" id="{64FA5DFF-7FE6-4855-84E6-DFA78EE978BD}"/>
+              </a:ext>
+              <a:ext uri="{C183D7F6-B498-43B3-948B-1728B52AA6E4}">
+                <adec:decorative xmlns:adec="http://schemas.microsoft.com/office/drawing/2017/decorative" val="1"/>
+              </a:ext>
+            </a:extLst>
+          </p:cNvPr>
+          <p:cNvCxnSpPr>
+            <a:cxnSpLocks noGrp="1" noRot="1" noChangeAspect="1" noMove="1" noResize="1" noEditPoints="1" noAdjustHandles="1" noChangeArrowheads="1" noChangeShapeType="1"/>
+          </p:cNvCxnSpPr>
+          <p:nvPr>
+            <p:extLst>
+              <p:ext uri="{386F3935-93C4-4BCD-93E2-E3B085C9AB24}">
+                <p16:designElem xmlns:p16="http://schemas.microsoft.com/office/powerpoint/2015/main" val="1"/>
+              </p:ext>
+            </p:extLst>
+          </p:nvPr>
+        </p:nvCxnSpPr>
+        <p:spPr>
+          <a:xfrm>
+            <a:off x="9371012" y="0"/>
+            <a:ext cx="1219200" cy="6858000"/>
+          </a:xfrm>
+          <a:prstGeom prst="line">
+            <a:avLst/>
+          </a:prstGeom>
+          <a:ln w="9525">
+            <a:solidFill>
+              <a:schemeClr val="bg1">
+                <a:lumMod val="75000"/>
+              </a:schemeClr>
+            </a:solidFill>
+          </a:ln>
+        </p:spPr>
+        <p:style>
+          <a:lnRef idx="2">
+            <a:schemeClr val="accent1"/>
+          </a:lnRef>
+          <a:fillRef idx="0">
+            <a:schemeClr val="accent1"/>
+          </a:fillRef>
+          <a:effectRef idx="1">
+            <a:schemeClr val="accent1"/>
+          </a:effectRef>
+          <a:fontRef idx="minor">
+            <a:schemeClr val="tx1"/>
+          </a:fontRef>
+        </p:style>
+      </p:cxnSp>
+      <p:cxnSp>
+        <p:nvCxnSpPr>
+          <p:cNvPr id="12" name="Straight Connector 11">
+            <a:extLst>
+              <a:ext uri="{FF2B5EF4-FFF2-40B4-BE49-F238E27FC236}">
+                <a16:creationId xmlns:a16="http://schemas.microsoft.com/office/drawing/2014/main" id="{2AFD8CBA-54A3-4363-991B-B9C631BBFA74}"/>
+              </a:ext>
+              <a:ext uri="{C183D7F6-B498-43B3-948B-1728B52AA6E4}">
+                <adec:decorative xmlns:adec="http://schemas.microsoft.com/office/drawing/2017/decorative" val="1"/>
+              </a:ext>
+            </a:extLst>
+          </p:cNvPr>
+          <p:cNvCxnSpPr>
+            <a:cxnSpLocks noGrp="1" noRot="1" noChangeAspect="1" noMove="1" noResize="1" noEditPoints="1" noAdjustHandles="1" noChangeArrowheads="1" noChangeShapeType="1"/>
+          </p:cNvCxnSpPr>
+          <p:nvPr>
+            <p:extLst>
+              <p:ext uri="{386F3935-93C4-4BCD-93E2-E3B085C9AB24}">
+                <p16:designElem xmlns:p16="http://schemas.microsoft.com/office/powerpoint/2015/main" val="1"/>
+              </p:ext>
+            </p:extLst>
+          </p:nvPr>
+        </p:nvCxnSpPr>
+        <p:spPr>
+          <a:xfrm flipH="1">
+            <a:off x="7425267" y="3681413"/>
+            <a:ext cx="4763558" cy="3176587"/>
+          </a:xfrm>
+          <a:prstGeom prst="line">
+            <a:avLst/>
+          </a:prstGeom>
+          <a:ln w="9525">
+            <a:solidFill>
+              <a:schemeClr val="bg1">
+                <a:lumMod val="85000"/>
+              </a:schemeClr>
+            </a:solidFill>
+          </a:ln>
+        </p:spPr>
+        <p:style>
+          <a:lnRef idx="2">
+            <a:schemeClr val="accent1"/>
+          </a:lnRef>
+          <a:fillRef idx="0">
+            <a:schemeClr val="accent1"/>
+          </a:fillRef>
+          <a:effectRef idx="1">
+            <a:schemeClr val="accent1"/>
+          </a:effectRef>
+          <a:fontRef idx="minor">
+            <a:schemeClr val="tx1"/>
+          </a:fontRef>
+        </p:style>
+      </p:cxnSp>
+      <p:sp>
+        <p:nvSpPr>
+          <p:cNvPr id="14" name="Rectangle 23">
+            <a:extLst>
+              <a:ext uri="{FF2B5EF4-FFF2-40B4-BE49-F238E27FC236}">
+                <a16:creationId xmlns:a16="http://schemas.microsoft.com/office/drawing/2014/main" id="{3F088236-D655-4F88-B238-E16762358025}"/>
+              </a:ext>
+              <a:ext uri="{C183D7F6-B498-43B3-948B-1728B52AA6E4}">
+                <adec:decorative xmlns:adec="http://schemas.microsoft.com/office/drawing/2017/decorative" val="1"/>
+              </a:ext>
+            </a:extLst>
+          </p:cNvPr>
+          <p:cNvSpPr>
+            <a:spLocks noGrp="1" noRot="1" noChangeAspect="1" noMove="1" noResize="1" noEditPoints="1" noAdjustHandles="1" noChangeArrowheads="1" noChangeShapeType="1" noTextEdit="1"/>
+          </p:cNvSpPr>
+          <p:nvPr>
+            <p:extLst>
+              <p:ext uri="{386F3935-93C4-4BCD-93E2-E3B085C9AB24}">
+                <p16:designElem xmlns:p16="http://schemas.microsoft.com/office/powerpoint/2015/main" val="1"/>
+              </p:ext>
+            </p:extLst>
+          </p:nvPr>
+        </p:nvSpPr>
+        <p:spPr>
+          <a:xfrm>
+            <a:off x="9181476" y="-8467"/>
+            <a:ext cx="3007349" cy="6866467"/>
+          </a:xfrm>
+          <a:custGeom>
+            <a:avLst/>
+            <a:gdLst/>
+            <a:ahLst/>
+            <a:cxnLst/>
+            <a:rect l="l" t="t" r="r" b="b"/>
+            <a:pathLst>
+              <a:path w="3007349" h="6866467">
+                <a:moveTo>
+                  <a:pt x="2045532" y="0"/>
+                </a:moveTo>
+                <a:lnTo>
+                  <a:pt x="3007349" y="0"/>
+                </a:lnTo>
+                <a:lnTo>
+                  <a:pt x="3007349" y="6866467"/>
+                </a:lnTo>
+                <a:lnTo>
+                  <a:pt x="0" y="6866467"/>
+                </a:lnTo>
+                <a:lnTo>
+                  <a:pt x="2045532" y="0"/>
+                </a:lnTo>
+                <a:close/>
+              </a:path>
+            </a:pathLst>
+          </a:custGeom>
+          <a:solidFill>
+            <a:schemeClr val="accent1">
+              <a:alpha val="30000"/>
+            </a:schemeClr>
+          </a:solidFill>
+          <a:ln>
+            <a:noFill/>
+          </a:ln>
+          <a:effectLst/>
+        </p:spPr>
+        <p:style>
+          <a:lnRef idx="1">
+            <a:schemeClr val="accent1"/>
+          </a:lnRef>
+          <a:fillRef idx="3">
+            <a:schemeClr val="accent1"/>
+          </a:fillRef>
+          <a:effectRef idx="2">
+            <a:schemeClr val="accent1"/>
+          </a:effectRef>
+          <a:fontRef idx="minor">
+            <a:schemeClr val="lt1"/>
+          </a:fontRef>
+        </p:style>
+      </p:sp>
+      <p:sp>
+        <p:nvSpPr>
+          <p:cNvPr id="16" name="Rectangle 25">
+            <a:extLst>
+              <a:ext uri="{FF2B5EF4-FFF2-40B4-BE49-F238E27FC236}">
+                <a16:creationId xmlns:a16="http://schemas.microsoft.com/office/drawing/2014/main" id="{3DAC0C92-199E-475C-9390-119A9B027276}"/>
+              </a:ext>
+              <a:ext uri="{C183D7F6-B498-43B3-948B-1728B52AA6E4}">
+                <adec:decorative xmlns:adec="http://schemas.microsoft.com/office/drawing/2017/decorative" val="1"/>
+              </a:ext>
+            </a:extLst>
+          </p:cNvPr>
+          <p:cNvSpPr>
+            <a:spLocks noGrp="1" noRot="1" noChangeAspect="1" noMove="1" noResize="1" noEditPoints="1" noAdjustHandles="1" noChangeArrowheads="1" noChangeShapeType="1" noTextEdit="1"/>
+          </p:cNvSpPr>
+          <p:nvPr>
+            <p:extLst>
+              <p:ext uri="{386F3935-93C4-4BCD-93E2-E3B085C9AB24}">
+                <p16:designElem xmlns:p16="http://schemas.microsoft.com/office/powerpoint/2015/main" val="1"/>
+              </p:ext>
+            </p:extLst>
+          </p:nvPr>
+        </p:nvSpPr>
+        <p:spPr>
+          <a:xfrm>
+            <a:off x="9603442" y="-8467"/>
+            <a:ext cx="2588558" cy="6866467"/>
+          </a:xfrm>
+          <a:custGeom>
+            <a:avLst/>
+            <a:gdLst/>
+            <a:ahLst/>
+            <a:cxnLst/>
+            <a:rect l="l" t="t" r="r" b="b"/>
+            <a:pathLst>
+              <a:path w="2573311" h="6866467">
+                <a:moveTo>
+                  <a:pt x="0" y="0"/>
+                </a:moveTo>
+                <a:lnTo>
+                  <a:pt x="2573311" y="0"/>
+                </a:lnTo>
+                <a:lnTo>
+                  <a:pt x="2573311" y="6866467"/>
+                </a:lnTo>
+                <a:lnTo>
+                  <a:pt x="1202336" y="6866467"/>
+                </a:lnTo>
+                <a:lnTo>
+                  <a:pt x="0" y="0"/>
+                </a:lnTo>
+                <a:close/>
+              </a:path>
+            </a:pathLst>
+          </a:custGeom>
+          <a:solidFill>
+            <a:schemeClr val="accent1">
+              <a:alpha val="20000"/>
+            </a:schemeClr>
+          </a:solidFill>
+          <a:ln>
+            <a:noFill/>
+          </a:ln>
+          <a:effectLst/>
+        </p:spPr>
+        <p:style>
+          <a:lnRef idx="1">
+            <a:schemeClr val="accent1"/>
+          </a:lnRef>
+          <a:fillRef idx="3">
+            <a:schemeClr val="accent1"/>
+          </a:fillRef>
+          <a:effectRef idx="2">
+            <a:schemeClr val="accent1"/>
+          </a:effectRef>
+          <a:fontRef idx="minor">
+            <a:schemeClr val="lt1"/>
+          </a:fontRef>
+        </p:style>
+      </p:sp>
+      <p:sp>
+        <p:nvSpPr>
+          <p:cNvPr id="18" name="Isosceles Triangle 24">
+            <a:extLst>
+              <a:ext uri="{FF2B5EF4-FFF2-40B4-BE49-F238E27FC236}">
+                <a16:creationId xmlns:a16="http://schemas.microsoft.com/office/drawing/2014/main" id="{C4CFB339-0ED8-4FE2-9EF1-6D1375B8499B}"/>
+              </a:ext>
+              <a:ext uri="{C183D7F6-B498-43B3-948B-1728B52AA6E4}">
+                <adec:decorative xmlns:adec="http://schemas.microsoft.com/office/drawing/2017/decorative" val="1"/>
+              </a:ext>
+            </a:extLst>
+          </p:cNvPr>
+          <p:cNvSpPr>
+            <a:spLocks noGrp="1" noRot="1" noChangeAspect="1" noMove="1" noResize="1" noEditPoints="1" noAdjustHandles="1" noChangeArrowheads="1" noChangeShapeType="1" noTextEdit="1"/>
+          </p:cNvSpPr>
+          <p:nvPr>
+            <p:extLst>
+              <p:ext uri="{386F3935-93C4-4BCD-93E2-E3B085C9AB24}">
+                <p16:designElem xmlns:p16="http://schemas.microsoft.com/office/powerpoint/2015/main" val="1"/>
+              </p:ext>
+            </p:extLst>
+          </p:nvPr>
+        </p:nvSpPr>
+        <p:spPr>
+          <a:xfrm>
+            <a:off x="8932333" y="3048000"/>
+            <a:ext cx="3259667" cy="3810000"/>
+          </a:xfrm>
+          <a:prstGeom prst="triangle">
+            <a:avLst>
+              <a:gd name="adj" fmla="val 100000"/>
+            </a:avLst>
+          </a:prstGeom>
+          <a:solidFill>
+            <a:schemeClr val="accent2">
+              <a:alpha val="72000"/>
+            </a:schemeClr>
+          </a:solidFill>
+          <a:ln>
+            <a:noFill/>
+          </a:ln>
+          <a:effectLst/>
+        </p:spPr>
+        <p:style>
+          <a:lnRef idx="1">
+            <a:schemeClr val="accent1"/>
+          </a:lnRef>
+          <a:fillRef idx="3">
+            <a:schemeClr val="accent1"/>
+          </a:fillRef>
+          <a:effectRef idx="2">
+            <a:schemeClr val="accent1"/>
+          </a:effectRef>
+          <a:fontRef idx="minor">
+            <a:schemeClr val="lt1"/>
+          </a:fontRef>
+        </p:style>
+      </p:sp>
+      <p:sp>
+        <p:nvSpPr>
+          <p:cNvPr id="20" name="Rectangle 27">
+            <a:extLst>
+              <a:ext uri="{FF2B5EF4-FFF2-40B4-BE49-F238E27FC236}">
+                <a16:creationId xmlns:a16="http://schemas.microsoft.com/office/drawing/2014/main" id="{31896C80-2069-4431-9C19-83B913734490}"/>
+              </a:ext>
+              <a:ext uri="{C183D7F6-B498-43B3-948B-1728B52AA6E4}">
+                <adec:decorative xmlns:adec="http://schemas.microsoft.com/office/drawing/2017/decorative" val="1"/>
+              </a:ext>
+            </a:extLst>
+          </p:cNvPr>
+          <p:cNvSpPr>
+            <a:spLocks noGrp="1" noRot="1" noChangeAspect="1" noMove="1" noResize="1" noEditPoints="1" noAdjustHandles="1" noChangeArrowheads="1" noChangeShapeType="1" noTextEdit="1"/>
+          </p:cNvSpPr>
+          <p:nvPr>
+            <p:extLst>
+              <p:ext uri="{386F3935-93C4-4BCD-93E2-E3B085C9AB24}">
+                <p16:designElem xmlns:p16="http://schemas.microsoft.com/office/powerpoint/2015/main" val="1"/>
+              </p:ext>
+            </p:extLst>
+          </p:nvPr>
+        </p:nvSpPr>
+        <p:spPr>
+          <a:xfrm>
+            <a:off x="9334500" y="-8467"/>
+            <a:ext cx="2854326" cy="6866467"/>
+          </a:xfrm>
+          <a:custGeom>
+            <a:avLst/>
+            <a:gdLst/>
+            <a:ahLst/>
+            <a:cxnLst/>
+            <a:rect l="l" t="t" r="r" b="b"/>
+            <a:pathLst>
+              <a:path w="2858013" h="6866467">
+                <a:moveTo>
+                  <a:pt x="0" y="0"/>
+                </a:moveTo>
+                <a:lnTo>
+                  <a:pt x="2858013" y="0"/>
+                </a:lnTo>
+                <a:lnTo>
+                  <a:pt x="2858013" y="6866467"/>
+                </a:lnTo>
+                <a:lnTo>
+                  <a:pt x="2473942" y="6866467"/>
+                </a:lnTo>
+                <a:lnTo>
+                  <a:pt x="0" y="0"/>
+                </a:lnTo>
+                <a:close/>
+              </a:path>
+            </a:pathLst>
+          </a:custGeom>
+          <a:solidFill>
+            <a:schemeClr val="accent2">
+              <a:lumMod val="75000"/>
+              <a:alpha val="47000"/>
+            </a:schemeClr>
+          </a:solidFill>
+          <a:ln>
+            <a:noFill/>
+          </a:ln>
+          <a:effectLst/>
+        </p:spPr>
+        <p:style>
+          <a:lnRef idx="1">
+            <a:schemeClr val="accent1"/>
+          </a:lnRef>
+          <a:fillRef idx="3">
+            <a:schemeClr val="accent1"/>
+          </a:fillRef>
+          <a:effectRef idx="2">
+            <a:schemeClr val="accent1"/>
+          </a:effectRef>
+          <a:fontRef idx="minor">
+            <a:schemeClr val="lt1"/>
+          </a:fontRef>
+        </p:style>
+      </p:sp>
+      <p:sp>
+        <p:nvSpPr>
+          <p:cNvPr id="22" name="Rectangle 28">
+            <a:extLst>
+              <a:ext uri="{FF2B5EF4-FFF2-40B4-BE49-F238E27FC236}">
+                <a16:creationId xmlns:a16="http://schemas.microsoft.com/office/drawing/2014/main" id="{BF120A21-0841-4823-B0C4-28AEBCEF9B78}"/>
+              </a:ext>
+              <a:ext uri="{C183D7F6-B498-43B3-948B-1728B52AA6E4}">
+                <adec:decorative xmlns:adec="http://schemas.microsoft.com/office/drawing/2017/decorative" val="1"/>
+              </a:ext>
+            </a:extLst>
+          </p:cNvPr>
+          <p:cNvSpPr>
+            <a:spLocks noGrp="1" noRot="1" noChangeAspect="1" noMove="1" noResize="1" noEditPoints="1" noAdjustHandles="1" noChangeArrowheads="1" noChangeShapeType="1" noTextEdit="1"/>
+          </p:cNvSpPr>
+          <p:nvPr>
+            <p:extLst>
+              <p:ext uri="{386F3935-93C4-4BCD-93E2-E3B085C9AB24}">
+                <p16:designElem xmlns:p16="http://schemas.microsoft.com/office/powerpoint/2015/main" val="1"/>
+              </p:ext>
+            </p:extLst>
+          </p:nvPr>
+        </p:nvSpPr>
+        <p:spPr>
+          <a:xfrm>
+            <a:off x="10898730" y="-8467"/>
+            <a:ext cx="1290094" cy="6866467"/>
+          </a:xfrm>
+          <a:custGeom>
+            <a:avLst/>
+            <a:gdLst/>
+            <a:ahLst/>
+            <a:cxnLst/>
+            <a:rect l="l" t="t" r="r" b="b"/>
+            <a:pathLst>
+              <a:path w="1290094" h="6858000">
+                <a:moveTo>
+                  <a:pt x="1019735" y="0"/>
+                </a:moveTo>
+                <a:lnTo>
+                  <a:pt x="1290094" y="0"/>
+                </a:lnTo>
+                <a:lnTo>
+                  <a:pt x="1290094" y="6858000"/>
+                </a:lnTo>
+                <a:lnTo>
+                  <a:pt x="0" y="6858000"/>
+                </a:lnTo>
+                <a:lnTo>
+                  <a:pt x="1019735" y="0"/>
+                </a:lnTo>
+                <a:close/>
+              </a:path>
+            </a:pathLst>
+          </a:custGeom>
+          <a:solidFill>
+            <a:schemeClr val="accent1">
+              <a:lumMod val="60000"/>
+              <a:lumOff val="40000"/>
+              <a:alpha val="70000"/>
+            </a:schemeClr>
+          </a:solidFill>
+          <a:ln>
+            <a:noFill/>
+          </a:ln>
+          <a:effectLst/>
+        </p:spPr>
+        <p:style>
+          <a:lnRef idx="1">
+            <a:schemeClr val="accent1"/>
+          </a:lnRef>
+          <a:fillRef idx="3">
+            <a:schemeClr val="accent1"/>
+          </a:fillRef>
+          <a:effectRef idx="2">
+            <a:schemeClr val="accent1"/>
+          </a:effectRef>
+          <a:fontRef idx="minor">
+            <a:schemeClr val="lt1"/>
+          </a:fontRef>
+        </p:style>
+      </p:sp>
+      <p:sp>
+        <p:nvSpPr>
+          <p:cNvPr id="24" name="Rectangle 29">
+            <a:extLst>
+              <a:ext uri="{FF2B5EF4-FFF2-40B4-BE49-F238E27FC236}">
+                <a16:creationId xmlns:a16="http://schemas.microsoft.com/office/drawing/2014/main" id="{DBB05BAE-BBD3-4289-899F-A6851503C6B0}"/>
+              </a:ext>
+              <a:ext uri="{C183D7F6-B498-43B3-948B-1728B52AA6E4}">
+                <adec:decorative xmlns:adec="http://schemas.microsoft.com/office/drawing/2017/decorative" val="1"/>
+              </a:ext>
+            </a:extLst>
+          </p:cNvPr>
+          <p:cNvSpPr>
+            <a:spLocks noGrp="1" noRot="1" noChangeAspect="1" noMove="1" noResize="1" noEditPoints="1" noAdjustHandles="1" noChangeArrowheads="1" noChangeShapeType="1" noTextEdit="1"/>
+          </p:cNvSpPr>
+          <p:nvPr>
+            <p:extLst>
+              <p:ext uri="{386F3935-93C4-4BCD-93E2-E3B085C9AB24}">
+                <p16:designElem xmlns:p16="http://schemas.microsoft.com/office/powerpoint/2015/main" val="1"/>
+              </p:ext>
+            </p:extLst>
+          </p:nvPr>
+        </p:nvSpPr>
+        <p:spPr>
+          <a:xfrm>
+            <a:off x="10938999" y="-8467"/>
+            <a:ext cx="1249825" cy="6866467"/>
+          </a:xfrm>
+          <a:custGeom>
+            <a:avLst/>
+            <a:gdLst/>
+            <a:ahLst/>
+            <a:cxnLst/>
+            <a:rect l="l" t="t" r="r" b="b"/>
+            <a:pathLst>
+              <a:path w="1249825" h="6858000">
+                <a:moveTo>
+                  <a:pt x="0" y="0"/>
+                </a:moveTo>
+                <a:lnTo>
+                  <a:pt x="1249825" y="0"/>
+                </a:lnTo>
+                <a:lnTo>
+                  <a:pt x="1249825" y="6858000"/>
+                </a:lnTo>
+                <a:lnTo>
+                  <a:pt x="1109382" y="6858000"/>
+                </a:lnTo>
+                <a:lnTo>
+                  <a:pt x="0" y="0"/>
+                </a:lnTo>
+                <a:close/>
+              </a:path>
+            </a:pathLst>
+          </a:custGeom>
+          <a:solidFill>
+            <a:schemeClr val="accent1">
+              <a:alpha val="65000"/>
+            </a:schemeClr>
+          </a:solidFill>
+          <a:ln>
+            <a:noFill/>
+          </a:ln>
+          <a:effectLst/>
+        </p:spPr>
+        <p:style>
+          <a:lnRef idx="1">
+            <a:schemeClr val="accent1"/>
+          </a:lnRef>
+          <a:fillRef idx="3">
+            <a:schemeClr val="accent1"/>
+          </a:fillRef>
+          <a:effectRef idx="2">
+            <a:schemeClr val="accent1"/>
+          </a:effectRef>
+          <a:fontRef idx="minor">
+            <a:schemeClr val="lt1"/>
+          </a:fontRef>
+        </p:style>
+      </p:sp>
+      <p:sp>
+        <p:nvSpPr>
+          <p:cNvPr id="26" name="Isosceles Triangle 29">
+            <a:extLst>
+              <a:ext uri="{FF2B5EF4-FFF2-40B4-BE49-F238E27FC236}">
+                <a16:creationId xmlns:a16="http://schemas.microsoft.com/office/drawing/2014/main" id="{9874D11C-36F5-4BBE-A490-019A54E953B0}"/>
+              </a:ext>
+              <a:ext uri="{C183D7F6-B498-43B3-948B-1728B52AA6E4}">
+                <adec:decorative xmlns:adec="http://schemas.microsoft.com/office/drawing/2017/decorative" val="1"/>
+              </a:ext>
+            </a:extLst>
+          </p:cNvPr>
+          <p:cNvSpPr>
+            <a:spLocks noGrp="1" noRot="1" noChangeAspect="1" noMove="1" noResize="1" noEditPoints="1" noAdjustHandles="1" noChangeArrowheads="1" noChangeShapeType="1" noTextEdit="1"/>
+          </p:cNvSpPr>
+          <p:nvPr>
+            <p:extLst>
+              <p:ext uri="{386F3935-93C4-4BCD-93E2-E3B085C9AB24}">
+                <p16:designElem xmlns:p16="http://schemas.microsoft.com/office/powerpoint/2015/main" val="1"/>
+              </p:ext>
+            </p:extLst>
+          </p:nvPr>
+        </p:nvSpPr>
+        <p:spPr>
+          <a:xfrm>
+            <a:off x="10371666" y="3589867"/>
+            <a:ext cx="1817159" cy="3268133"/>
+          </a:xfrm>
+          <a:prstGeom prst="triangle">
+            <a:avLst>
+              <a:gd name="adj" fmla="val 100000"/>
+            </a:avLst>
+          </a:prstGeom>
+          <a:solidFill>
+            <a:schemeClr val="accent1">
+              <a:alpha val="80000"/>
+            </a:schemeClr>
+          </a:solidFill>
+          <a:ln>
+            <a:noFill/>
+          </a:ln>
+          <a:effectLst/>
+        </p:spPr>
+        <p:style>
+          <a:lnRef idx="1">
+            <a:schemeClr val="accent1"/>
+          </a:lnRef>
+          <a:fillRef idx="3">
+            <a:schemeClr val="accent1"/>
+          </a:fillRef>
+          <a:effectRef idx="2">
+            <a:schemeClr val="accent1"/>
+          </a:effectRef>
+          <a:fontRef idx="minor">
+            <a:schemeClr val="lt1"/>
+          </a:fontRef>
+        </p:style>
+      </p:sp>
+    </p:spTree>
+    <p:extLst>
+      <p:ext uri="{BB962C8B-B14F-4D97-AF65-F5344CB8AC3E}">
+        <p14:creationId xmlns:p14="http://schemas.microsoft.com/office/powerpoint/2010/main" val="2752625537"/>
+      </p:ext>
+    </p:extLst>
+  </p:cSld>
+  <p:clrMapOvr>
+    <a:masterClrMapping/>
+  </p:clrMapOvr>
+</p:sld>
+</file>
+
+<file path=ppt/slides/slide3.xml><?xml version="1.0" encoding="utf-8"?>
+<p:sld xmlns:a="http://schemas.openxmlformats.org/drawingml/2006/main" xmlns:r="http://schemas.openxmlformats.org/officeDocument/2006/relationships" xmlns:p="http://schemas.openxmlformats.org/presentationml/2006/main">
+  <p:cSld>
+    <p:spTree>
+      <p:nvGrpSpPr>
+        <p:cNvPr id="1" name=""/>
+        <p:cNvGrpSpPr/>
+        <p:nvPr/>
+      </p:nvGrpSpPr>
+      <p:grpSpPr>
+        <a:xfrm>
+          <a:off x="0" y="0"/>
+          <a:ext cx="0" cy="0"/>
+          <a:chOff x="0" y="0"/>
+          <a:chExt cx="0" cy="0"/>
+        </a:xfrm>
+      </p:grpSpPr>
+      <p:sp>
+        <p:nvSpPr>
+          <p:cNvPr id="3" name="제목 2">
+            <a:extLst>
+              <a:ext uri="{FF2B5EF4-FFF2-40B4-BE49-F238E27FC236}">
+                <a16:creationId xmlns:a16="http://schemas.microsoft.com/office/drawing/2014/main" id="{0B4E9533-7208-4201-8137-50089BB0A0D7}"/>
+              </a:ext>
+            </a:extLst>
+          </p:cNvPr>
+          <p:cNvSpPr>
+            <a:spLocks noGrp="1"/>
+          </p:cNvSpPr>
+          <p:nvPr>
+            <p:ph type="title"/>
+          </p:nvPr>
+        </p:nvSpPr>
+        <p:spPr/>
+        <p:txBody>
+          <a:bodyPr/>
+          <a:lstStyle/>
+          <a:p>
+            <a:pPr algn="l"/>
+            <a:r>
+              <a:rPr lang="ko-KR" altLang="en-US" dirty="0">
+                <a:solidFill>
+                  <a:schemeClr val="tx2"/>
+                </a:solidFill>
+              </a:rPr>
+              <a:t>개발 범위</a:t>
+            </a:r>
+          </a:p>
+        </p:txBody>
+      </p:sp>
+      <p:graphicFrame>
+        <p:nvGraphicFramePr>
+          <p:cNvPr id="8" name="표 7">
+            <a:extLst>
+              <a:ext uri="{FF2B5EF4-FFF2-40B4-BE49-F238E27FC236}">
+                <a16:creationId xmlns:a16="http://schemas.microsoft.com/office/drawing/2014/main" id="{0A3246A9-8DAA-414D-B570-E21E9443D85E}"/>
+              </a:ext>
+            </a:extLst>
+          </p:cNvPr>
+          <p:cNvGraphicFramePr>
+            <a:graphicFrameLocks noGrp="1"/>
+          </p:cNvGraphicFramePr>
+          <p:nvPr>
+            <p:extLst>
+              <p:ext uri="{D42A27DB-BD31-4B8C-83A1-F6EECF244321}">
+                <p14:modId xmlns:p14="http://schemas.microsoft.com/office/powerpoint/2010/main" val="1220232309"/>
+              </p:ext>
+            </p:extLst>
+          </p:nvPr>
+        </p:nvGraphicFramePr>
+        <p:xfrm>
+          <a:off x="1413543" y="1672525"/>
+          <a:ext cx="8221707" cy="370840"/>
+        </p:xfrm>
+        <a:graphic>
+          <a:graphicData uri="http://schemas.openxmlformats.org/drawingml/2006/table">
+            <a:tbl>
+              <a:tblPr firstRow="1" bandRow="1">
+                <a:tableStyleId>{21E4AEA4-8DFA-4A89-87EB-49C32662AFE0}</a:tableStyleId>
+              </a:tblPr>
+              <a:tblGrid>
+                <a:gridCol w="977529">
+                  <a:extLst>
+                    <a:ext uri="{9D8B030D-6E8A-4147-A177-3AD203B41FA5}">
+                      <a16:colId xmlns:a16="http://schemas.microsoft.com/office/drawing/2014/main" val="2525630479"/>
+                    </a:ext>
+                  </a:extLst>
+                </a:gridCol>
+                <a:gridCol w="7244178">
+                  <a:extLst>
+                    <a:ext uri="{9D8B030D-6E8A-4147-A177-3AD203B41FA5}">
+                      <a16:colId xmlns:a16="http://schemas.microsoft.com/office/drawing/2014/main" val="2179683786"/>
+                    </a:ext>
+                  </a:extLst>
+                </a:gridCol>
+              </a:tblGrid>
+              <a:tr h="370840">
+                <a:tc>
+                  <a:txBody>
+                    <a:bodyPr/>
+                    <a:lstStyle/>
+                    <a:p>
+                      <a:pPr algn="ctr" latinLnBrk="1"/>
+                      <a:r>
+                        <a:rPr lang="ko-KR" altLang="en-US" dirty="0"/>
+                        <a:t>내용</a:t>
+                      </a:r>
+                    </a:p>
+                  </a:txBody>
+                  <a:tcPr/>
+                </a:tc>
+                <a:tc>
+                  <a:txBody>
+                    <a:bodyPr/>
+                    <a:lstStyle/>
+                    <a:p>
+                      <a:pPr algn="ctr" latinLnBrk="1"/>
+                      <a:r>
+                        <a:rPr lang="ko-KR" altLang="en-US" dirty="0"/>
+                        <a:t>범위</a:t>
+                      </a:r>
+                    </a:p>
+                  </a:txBody>
+                  <a:tcPr/>
+                </a:tc>
+                <a:extLst>
+                  <a:ext uri="{0D108BD9-81ED-4DB2-BD59-A6C34878D82A}">
+                    <a16:rowId xmlns:a16="http://schemas.microsoft.com/office/drawing/2014/main" val="2676936138"/>
+                  </a:ext>
+                </a:extLst>
+              </a:tr>
+            </a:tbl>
+          </a:graphicData>
+        </a:graphic>
+      </p:graphicFrame>
+      <p:graphicFrame>
+        <p:nvGraphicFramePr>
+          <p:cNvPr id="9" name="표 8">
+            <a:extLst>
+              <a:ext uri="{FF2B5EF4-FFF2-40B4-BE49-F238E27FC236}">
+                <a16:creationId xmlns:a16="http://schemas.microsoft.com/office/drawing/2014/main" id="{69EA4D34-E995-48CF-B935-7A87169BF155}"/>
+              </a:ext>
+            </a:extLst>
+          </p:cNvPr>
+          <p:cNvGraphicFramePr>
+            <a:graphicFrameLocks noGrp="1"/>
+          </p:cNvGraphicFramePr>
+          <p:nvPr>
+            <p:extLst>
+              <p:ext uri="{D42A27DB-BD31-4B8C-83A1-F6EECF244321}">
+                <p14:modId xmlns:p14="http://schemas.microsoft.com/office/powerpoint/2010/main" val="162169283"/>
+              </p:ext>
+            </p:extLst>
+          </p:nvPr>
+        </p:nvGraphicFramePr>
+        <p:xfrm>
+          <a:off x="1432284" y="2043365"/>
+          <a:ext cx="8202966" cy="4279977"/>
+        </p:xfrm>
+        <a:graphic>
+          <a:graphicData uri="http://schemas.openxmlformats.org/drawingml/2006/table">
+            <a:tbl>
+              <a:tblPr firstRow="1" bandRow="1">
+                <a:tableStyleId>{69CF1AB2-1976-4502-BF36-3FF5EA218861}</a:tableStyleId>
+              </a:tblPr>
+              <a:tblGrid>
+                <a:gridCol w="949911">
+                  <a:extLst>
+                    <a:ext uri="{9D8B030D-6E8A-4147-A177-3AD203B41FA5}">
+                      <a16:colId xmlns:a16="http://schemas.microsoft.com/office/drawing/2014/main" val="3277445923"/>
+                    </a:ext>
+                  </a:extLst>
+                </a:gridCol>
+                <a:gridCol w="7253055">
+                  <a:extLst>
+                    <a:ext uri="{9D8B030D-6E8A-4147-A177-3AD203B41FA5}">
+                      <a16:colId xmlns:a16="http://schemas.microsoft.com/office/drawing/2014/main" val="793233773"/>
+                    </a:ext>
+                  </a:extLst>
+                </a:gridCol>
+              </a:tblGrid>
+              <a:tr h="552962">
+                <a:tc>
+                  <a:txBody>
+                    <a:bodyPr/>
+                    <a:lstStyle/>
+                    <a:p>
+                      <a:pPr algn="ctr" latinLnBrk="1"/>
+                      <a:r>
+                        <a:rPr lang="ko-KR" altLang="en-US" sz="1600" dirty="0"/>
+                        <a:t>캐릭터</a:t>
+                      </a:r>
+                      <a:endParaRPr lang="en-US" altLang="ko-KR" sz="1600" dirty="0"/>
+                    </a:p>
+                  </a:txBody>
+                  <a:tcPr/>
+                </a:tc>
+                <a:tc>
+                  <a:txBody>
+                    <a:bodyPr/>
+                    <a:lstStyle/>
+                    <a:p>
+                      <a:pPr algn="ctr" latinLnBrk="1"/>
+                      <a:r>
+                        <a:rPr lang="en-US" altLang="ko-KR" sz="1600" dirty="0"/>
+                        <a:t>4</a:t>
+                      </a:r>
+                      <a:r>
+                        <a:rPr lang="ko-KR" altLang="en-US" sz="1600" dirty="0"/>
+                        <a:t>개의 캐릭터</a:t>
+                      </a:r>
+                      <a:endParaRPr lang="en-US" altLang="ko-KR" sz="1600" dirty="0"/>
+                    </a:p>
+                    <a:p>
+                      <a:pPr algn="ctr" latinLnBrk="1"/>
+                      <a:r>
+                        <a:rPr lang="ko-KR" altLang="en-US" sz="1600" dirty="0" err="1"/>
+                        <a:t>서로다른</a:t>
+                      </a:r>
+                      <a:r>
+                        <a:rPr lang="ko-KR" altLang="en-US" sz="1600" dirty="0"/>
+                        <a:t> 애니메이션</a:t>
+                      </a:r>
+                      <a:endParaRPr lang="en-US" altLang="ko-KR" sz="1600" dirty="0"/>
+                    </a:p>
+                  </a:txBody>
+                  <a:tcPr/>
+                </a:tc>
+                <a:extLst>
+                  <a:ext uri="{0D108BD9-81ED-4DB2-BD59-A6C34878D82A}">
+                    <a16:rowId xmlns:a16="http://schemas.microsoft.com/office/drawing/2014/main" val="4278585967"/>
+                  </a:ext>
+                </a:extLst>
+              </a:tr>
+              <a:tr h="631386">
+                <a:tc>
+                  <a:txBody>
+                    <a:bodyPr/>
+                    <a:lstStyle/>
+                    <a:p>
+                      <a:pPr algn="ctr" latinLnBrk="1"/>
+                      <a:r>
+                        <a:rPr lang="en-US" altLang="ko-KR" b="1" dirty="0"/>
+                        <a:t> </a:t>
+                      </a:r>
+                      <a:r>
+                        <a:rPr lang="ko-KR" altLang="en-US" b="1" dirty="0"/>
+                        <a:t>맵</a:t>
+                      </a:r>
+                    </a:p>
+                  </a:txBody>
+                  <a:tcPr/>
+                </a:tc>
+                <a:tc>
+                  <a:txBody>
+                    <a:bodyPr/>
+                    <a:lstStyle/>
+                    <a:p>
+                      <a:pPr algn="ctr" latinLnBrk="1"/>
+                      <a:r>
+                        <a:rPr lang="ko-KR" altLang="en-US" b="1" dirty="0"/>
+                        <a:t>스테이지 </a:t>
+                      </a:r>
+                      <a:r>
+                        <a:rPr lang="en-US" altLang="ko-KR" b="1" dirty="0"/>
+                        <a:t>3</a:t>
+                      </a:r>
+                      <a:r>
+                        <a:rPr lang="ko-KR" altLang="en-US" b="1" dirty="0"/>
+                        <a:t>개</a:t>
+                      </a:r>
+                      <a:endParaRPr lang="en-US" altLang="ko-KR" b="1" dirty="0"/>
+                    </a:p>
+                    <a:p>
+                      <a:pPr algn="ctr" latinLnBrk="1"/>
+                      <a:r>
+                        <a:rPr lang="en-US" altLang="ko-KR" b="1" dirty="0"/>
+                        <a:t>(</a:t>
+                      </a:r>
+                      <a:r>
+                        <a:rPr lang="ko-KR" altLang="en-US" b="1" dirty="0"/>
+                        <a:t>신사</a:t>
+                      </a:r>
+                      <a:r>
+                        <a:rPr lang="en-US" altLang="ko-KR" b="1" dirty="0"/>
+                        <a:t>, </a:t>
+                      </a:r>
+                      <a:r>
+                        <a:rPr lang="ko-KR" altLang="en-US" b="1" dirty="0"/>
+                        <a:t>대나무 숲</a:t>
+                      </a:r>
+                      <a:r>
+                        <a:rPr lang="en-US" altLang="ko-KR" b="1" dirty="0"/>
+                        <a:t>, </a:t>
+                      </a:r>
+                      <a:r>
+                        <a:rPr lang="ko-KR" altLang="en-US" b="1" dirty="0"/>
+                        <a:t>시계탑</a:t>
+                      </a:r>
+                      <a:r>
+                        <a:rPr lang="en-US" altLang="ko-KR" b="1" dirty="0"/>
+                        <a:t>)</a:t>
+                      </a:r>
+                      <a:endParaRPr lang="ko-KR" altLang="en-US" b="1" dirty="0"/>
+                    </a:p>
+                  </a:txBody>
+                  <a:tcPr/>
+                </a:tc>
+                <a:extLst>
+                  <a:ext uri="{0D108BD9-81ED-4DB2-BD59-A6C34878D82A}">
+                    <a16:rowId xmlns:a16="http://schemas.microsoft.com/office/drawing/2014/main" val="4109489495"/>
+                  </a:ext>
+                </a:extLst>
+              </a:tr>
+              <a:tr h="611168">
+                <a:tc>
+                  <a:txBody>
+                    <a:bodyPr/>
+                    <a:lstStyle/>
+                    <a:p>
+                      <a:pPr algn="ctr" latinLnBrk="1"/>
+                      <a:r>
+                        <a:rPr lang="ko-KR" altLang="en-US" b="1" dirty="0"/>
+                        <a:t>난이도</a:t>
+                      </a:r>
+                    </a:p>
+                  </a:txBody>
+                  <a:tcPr/>
+                </a:tc>
+                <a:tc>
+                  <a:txBody>
+                    <a:bodyPr/>
+                    <a:lstStyle/>
+                    <a:p>
+                      <a:pPr algn="ctr" latinLnBrk="1"/>
+                      <a:r>
+                        <a:rPr lang="ko-KR" altLang="en-US" b="1" dirty="0"/>
+                        <a:t>난이도의 따른</a:t>
+                      </a:r>
+                      <a:endParaRPr lang="en-US" altLang="ko-KR" b="1" dirty="0"/>
+                    </a:p>
+                    <a:p>
+                      <a:pPr algn="ctr" latinLnBrk="1"/>
+                      <a:r>
+                        <a:rPr lang="ko-KR" altLang="en-US" b="1" dirty="0"/>
+                        <a:t>적의 공용카드 사용</a:t>
+                      </a:r>
+                    </a:p>
+                  </a:txBody>
+                  <a:tcPr/>
+                </a:tc>
+                <a:extLst>
+                  <a:ext uri="{0D108BD9-81ED-4DB2-BD59-A6C34878D82A}">
+                    <a16:rowId xmlns:a16="http://schemas.microsoft.com/office/drawing/2014/main" val="1675656521"/>
+                  </a:ext>
+                </a:extLst>
+              </a:tr>
+              <a:tr h="960408">
+                <a:tc>
+                  <a:txBody>
+                    <a:bodyPr/>
+                    <a:lstStyle/>
+                    <a:p>
+                      <a:pPr algn="ctr" latinLnBrk="1"/>
+                      <a:r>
+                        <a:rPr lang="ko-KR" altLang="en-US" dirty="0"/>
+                        <a:t>게임</a:t>
+                      </a:r>
+                      <a:endParaRPr lang="en-US" altLang="ko-KR" dirty="0"/>
+                    </a:p>
+                    <a:p>
+                      <a:pPr algn="ctr" latinLnBrk="1"/>
+                      <a:r>
+                        <a:rPr lang="ko-KR" altLang="en-US" dirty="0"/>
+                        <a:t>기능</a:t>
+                      </a:r>
+                    </a:p>
+                  </a:txBody>
+                  <a:tcPr/>
+                </a:tc>
+                <a:tc>
+                  <a:txBody>
+                    <a:bodyPr/>
+                    <a:lstStyle/>
+                    <a:p>
+                      <a:pPr algn="ctr" latinLnBrk="1"/>
+                      <a:r>
+                        <a:rPr lang="ko-KR" altLang="en-US" sz="1200" b="1" dirty="0"/>
+                        <a:t>스킬 피격 시 체력감소</a:t>
+                      </a:r>
+                      <a:endParaRPr lang="en-US" altLang="ko-KR" sz="1200" b="1" dirty="0"/>
+                    </a:p>
+                    <a:p>
+                      <a:pPr algn="ctr" latinLnBrk="1"/>
+                      <a:r>
+                        <a:rPr lang="ko-KR" altLang="en-US" sz="1200" b="1" dirty="0"/>
+                        <a:t>공용카드에 따른 능력치 변화</a:t>
+                      </a:r>
+                      <a:endParaRPr lang="en-US" altLang="ko-KR" sz="1200" b="1" dirty="0"/>
+                    </a:p>
+                    <a:p>
+                      <a:pPr algn="ctr" latinLnBrk="1"/>
+                      <a:r>
+                        <a:rPr lang="ko-KR" altLang="en-US" sz="1200" b="1" dirty="0" err="1"/>
+                        <a:t>덱에서</a:t>
+                      </a:r>
+                      <a:r>
+                        <a:rPr lang="ko-KR" altLang="en-US" sz="1200" b="1" dirty="0"/>
+                        <a:t> 랜덤으로 카드가 </a:t>
+                      </a:r>
+                      <a:r>
+                        <a:rPr lang="en-US" altLang="ko-KR" sz="1200" b="1" dirty="0"/>
+                        <a:t>3</a:t>
+                      </a:r>
+                      <a:r>
+                        <a:rPr lang="ko-KR" altLang="en-US" sz="1200" b="1" dirty="0"/>
+                        <a:t>장 나온다</a:t>
+                      </a:r>
+                      <a:endParaRPr lang="en-US" altLang="ko-KR" sz="1200" b="1" dirty="0"/>
+                    </a:p>
+                    <a:p>
+                      <a:pPr algn="ctr" latinLnBrk="1"/>
+                      <a:r>
+                        <a:rPr lang="en-US" altLang="ko-KR" sz="1200" b="1" dirty="0"/>
+                        <a:t>15</a:t>
+                      </a:r>
+                      <a:r>
+                        <a:rPr lang="ko-KR" altLang="en-US" sz="1200" b="1" dirty="0"/>
+                        <a:t>장의 카드를 전부 사용시 </a:t>
+                      </a:r>
+                      <a:r>
+                        <a:rPr lang="ko-KR" altLang="en-US" sz="1200" b="1" dirty="0" err="1"/>
+                        <a:t>덱</a:t>
+                      </a:r>
+                      <a:r>
+                        <a:rPr lang="ko-KR" altLang="en-US" sz="1200" b="1" dirty="0"/>
+                        <a:t> 리셋</a:t>
+                      </a:r>
+                      <a:endParaRPr lang="en-US" altLang="ko-KR" sz="1200" b="1" dirty="0"/>
+                    </a:p>
+                    <a:p>
+                      <a:pPr algn="ctr" latinLnBrk="1"/>
+                      <a:r>
+                        <a:rPr lang="ko-KR" altLang="en-US" sz="1200" b="1" dirty="0"/>
+                        <a:t>특정 스킬 사용시 일러스트 출력</a:t>
+                      </a:r>
+                      <a:endParaRPr lang="en-US" altLang="ko-KR" sz="1200" b="1" dirty="0"/>
+                    </a:p>
+                  </a:txBody>
+                  <a:tcPr/>
+                </a:tc>
+                <a:extLst>
+                  <a:ext uri="{0D108BD9-81ED-4DB2-BD59-A6C34878D82A}">
+                    <a16:rowId xmlns:a16="http://schemas.microsoft.com/office/drawing/2014/main" val="166510948"/>
+                  </a:ext>
+                </a:extLst>
+              </a:tr>
+              <a:tr h="541759">
+                <a:tc>
+                  <a:txBody>
+                    <a:bodyPr/>
+                    <a:lstStyle/>
+                    <a:p>
+                      <a:pPr algn="ctr" latinLnBrk="1"/>
+                      <a:r>
+                        <a:rPr lang="ko-KR" altLang="en-US" dirty="0"/>
+                        <a:t>사운드</a:t>
+                      </a:r>
+                    </a:p>
+                  </a:txBody>
+                  <a:tcPr/>
+                </a:tc>
+                <a:tc>
+                  <a:txBody>
+                    <a:bodyPr/>
+                    <a:lstStyle/>
+                    <a:p>
+                      <a:pPr algn="ctr" latinLnBrk="1"/>
+                      <a:r>
+                        <a:rPr lang="ko-KR" altLang="en-US" dirty="0"/>
+                        <a:t>배경음악</a:t>
+                      </a:r>
+                      <a:r>
+                        <a:rPr lang="en-US" altLang="ko-KR" dirty="0"/>
+                        <a:t>, </a:t>
+                      </a:r>
+                      <a:r>
+                        <a:rPr lang="ko-KR" altLang="en-US" dirty="0"/>
+                        <a:t>캐릭터 스킬 별 음성 출력</a:t>
+                      </a:r>
+                    </a:p>
+                  </a:txBody>
+                  <a:tcPr/>
+                </a:tc>
+                <a:extLst>
+                  <a:ext uri="{0D108BD9-81ED-4DB2-BD59-A6C34878D82A}">
+                    <a16:rowId xmlns:a16="http://schemas.microsoft.com/office/drawing/2014/main" val="570683999"/>
+                  </a:ext>
+                </a:extLst>
+              </a:tr>
+              <a:tr h="873098">
+                <a:tc>
+                  <a:txBody>
+                    <a:bodyPr/>
+                    <a:lstStyle/>
+                    <a:p>
+                      <a:pPr algn="ctr" latinLnBrk="1"/>
+                      <a:r>
+                        <a:rPr lang="ko-KR" altLang="en-US" dirty="0"/>
+                        <a:t>애니메이션</a:t>
+                      </a:r>
+                    </a:p>
+                  </a:txBody>
+                  <a:tcPr/>
+                </a:tc>
+                <a:tc>
+                  <a:txBody>
+                    <a:bodyPr/>
+                    <a:lstStyle/>
+                    <a:p>
+                      <a:pPr algn="ctr" latinLnBrk="1"/>
+                      <a:r>
+                        <a:rPr lang="en-US" altLang="ko-KR" dirty="0"/>
+                        <a:t>28</a:t>
+                      </a:r>
+                      <a:r>
+                        <a:rPr lang="ko-KR" altLang="en-US" dirty="0"/>
+                        <a:t>종</a:t>
+                      </a:r>
+                      <a:r>
+                        <a:rPr lang="en-US" altLang="ko-KR" dirty="0"/>
+                        <a:t>(</a:t>
+                      </a:r>
+                      <a:r>
+                        <a:rPr lang="ko-KR" altLang="en-US" dirty="0"/>
+                        <a:t>각 캐릭터별 스킬</a:t>
+                      </a:r>
+                      <a:r>
+                        <a:rPr lang="en-US" altLang="ko-KR" dirty="0"/>
+                        <a:t>, </a:t>
+                      </a:r>
+                      <a:r>
+                        <a:rPr lang="ko-KR" altLang="en-US" dirty="0" err="1"/>
+                        <a:t>스탠딩</a:t>
+                      </a:r>
+                      <a:r>
+                        <a:rPr lang="en-US" altLang="ko-KR" dirty="0"/>
+                        <a:t>, </a:t>
+                      </a:r>
+                      <a:r>
+                        <a:rPr lang="ko-KR" altLang="en-US" dirty="0"/>
+                        <a:t>피격</a:t>
+                      </a:r>
+                      <a:r>
+                        <a:rPr lang="en-US" altLang="ko-KR" dirty="0"/>
+                        <a:t>, </a:t>
+                      </a:r>
+                      <a:r>
+                        <a:rPr lang="ko-KR" altLang="en-US" dirty="0"/>
+                        <a:t>다운 모션</a:t>
+                      </a:r>
+                      <a:r>
+                        <a:rPr lang="en-US" altLang="ko-KR" dirty="0"/>
+                        <a:t>)</a:t>
+                      </a:r>
+                    </a:p>
+                    <a:p>
+                      <a:pPr algn="ctr" latinLnBrk="1"/>
+                      <a:endParaRPr lang="ko-KR" altLang="en-US" dirty="0"/>
+                    </a:p>
+                  </a:txBody>
+                  <a:tcPr/>
+                </a:tc>
+                <a:extLst>
+                  <a:ext uri="{0D108BD9-81ED-4DB2-BD59-A6C34878D82A}">
+                    <a16:rowId xmlns:a16="http://schemas.microsoft.com/office/drawing/2014/main" val="2174036711"/>
+                  </a:ext>
+                </a:extLst>
+              </a:tr>
+            </a:tbl>
+          </a:graphicData>
+        </a:graphic>
+      </p:graphicFrame>
+    </p:spTree>
+    <p:extLst>
+      <p:ext uri="{BB962C8B-B14F-4D97-AF65-F5344CB8AC3E}">
+        <p14:creationId xmlns:p14="http://schemas.microsoft.com/office/powerpoint/2010/main" val="3623146014"/>
+      </p:ext>
+    </p:extLst>
+  </p:cSld>
+  <p:clrMapOvr>
+    <a:masterClrMapping/>
+  </p:clrMapOvr>
+</p:sld>
+</file>
+
+<file path=ppt/slides/slide4.xml><?xml version="1.0" encoding="utf-8"?>
+<p:sld xmlns:a="http://schemas.openxmlformats.org/drawingml/2006/main" xmlns:r="http://schemas.openxmlformats.org/officeDocument/2006/relationships" xmlns:p="http://schemas.openxmlformats.org/presentationml/2006/main">
+  <p:cSld>
+    <p:spTree>
+      <p:nvGrpSpPr>
+        <p:cNvPr id="1" name=""/>
+        <p:cNvGrpSpPr/>
+        <p:nvPr/>
+      </p:nvGrpSpPr>
+      <p:grpSpPr>
+        <a:xfrm>
+          <a:off x="0" y="0"/>
+          <a:ext cx="0" cy="0"/>
+          <a:chOff x="0" y="0"/>
+          <a:chExt cx="0" cy="0"/>
+        </a:xfrm>
+      </p:grpSpPr>
+      <p:sp>
+        <p:nvSpPr>
+          <p:cNvPr id="3" name="제목 2">
+            <a:extLst>
+              <a:ext uri="{FF2B5EF4-FFF2-40B4-BE49-F238E27FC236}">
+                <a16:creationId xmlns:a16="http://schemas.microsoft.com/office/drawing/2014/main" id="{0B4E9533-7208-4201-8137-50089BB0A0D7}"/>
+              </a:ext>
+            </a:extLst>
+          </p:cNvPr>
+          <p:cNvSpPr>
+            <a:spLocks noGrp="1"/>
+          </p:cNvSpPr>
+          <p:nvPr>
+            <p:ph type="title"/>
+          </p:nvPr>
+        </p:nvSpPr>
+        <p:spPr>
+          <a:xfrm>
+            <a:off x="0" y="0"/>
+            <a:ext cx="8596668" cy="1320800"/>
+          </a:xfrm>
+        </p:spPr>
+        <p:txBody>
+          <a:bodyPr/>
+          <a:lstStyle/>
+          <a:p>
+            <a:pPr algn="l"/>
+            <a:r>
+              <a:rPr lang="ko-KR" altLang="en-US" dirty="0">
+                <a:solidFill>
+                  <a:schemeClr val="tx2"/>
+                </a:solidFill>
+              </a:rPr>
+              <a:t>개발 상황</a:t>
+            </a:r>
+          </a:p>
+        </p:txBody>
+      </p:sp>
+      <p:graphicFrame>
+        <p:nvGraphicFramePr>
+          <p:cNvPr id="2" name="표 1">
+            <a:extLst>
+              <a:ext uri="{FF2B5EF4-FFF2-40B4-BE49-F238E27FC236}">
+                <a16:creationId xmlns:a16="http://schemas.microsoft.com/office/drawing/2014/main" id="{0E601A93-BDAD-403E-922F-EB02D0E8030A}"/>
+              </a:ext>
+            </a:extLst>
+          </p:cNvPr>
+          <p:cNvGraphicFramePr>
+            <a:graphicFrameLocks noGrp="1"/>
+          </p:cNvGraphicFramePr>
+          <p:nvPr>
+            <p:extLst>
+              <p:ext uri="{D42A27DB-BD31-4B8C-83A1-F6EECF244321}">
+                <p14:modId xmlns:p14="http://schemas.microsoft.com/office/powerpoint/2010/main" val="1013281039"/>
+              </p:ext>
+            </p:extLst>
+          </p:nvPr>
+        </p:nvGraphicFramePr>
+        <p:xfrm>
+          <a:off x="0" y="660400"/>
+          <a:ext cx="8127999" cy="5120640"/>
+        </p:xfrm>
+        <a:graphic>
+          <a:graphicData uri="http://schemas.openxmlformats.org/drawingml/2006/table">
+            <a:tbl>
+              <a:tblPr firstRow="1" bandRow="1">
+                <a:tableStyleId>{69CF1AB2-1976-4502-BF36-3FF5EA218861}</a:tableStyleId>
+              </a:tblPr>
+              <a:tblGrid>
+                <a:gridCol w="1013041">
+                  <a:extLst>
+                    <a:ext uri="{9D8B030D-6E8A-4147-A177-3AD203B41FA5}">
+                      <a16:colId xmlns:a16="http://schemas.microsoft.com/office/drawing/2014/main" val="3966769457"/>
+                    </a:ext>
+                  </a:extLst>
+                </a:gridCol>
+                <a:gridCol w="1455938">
+                  <a:extLst>
+                    <a:ext uri="{9D8B030D-6E8A-4147-A177-3AD203B41FA5}">
+                      <a16:colId xmlns:a16="http://schemas.microsoft.com/office/drawing/2014/main" val="1768056570"/>
+                    </a:ext>
+                  </a:extLst>
+                </a:gridCol>
+                <a:gridCol w="5659020">
+                  <a:extLst>
+                    <a:ext uri="{9D8B030D-6E8A-4147-A177-3AD203B41FA5}">
+                      <a16:colId xmlns:a16="http://schemas.microsoft.com/office/drawing/2014/main" val="4092880054"/>
+                    </a:ext>
+                  </a:extLst>
+                </a:gridCol>
+              </a:tblGrid>
+              <a:tr h="612487">
+                <a:tc>
+                  <a:txBody>
+                    <a:bodyPr/>
+                    <a:lstStyle/>
+                    <a:p>
+                      <a:pPr latinLnBrk="1"/>
+                      <a:r>
+                        <a:rPr lang="en-US" altLang="ko-KR" b="1" dirty="0"/>
+                        <a:t>1</a:t>
+                      </a:r>
+                      <a:r>
+                        <a:rPr lang="ko-KR" altLang="en-US" b="1" dirty="0"/>
+                        <a:t>주차</a:t>
+                      </a:r>
+                      <a:endParaRPr lang="en-US" altLang="ko-KR" b="1" dirty="0"/>
+                    </a:p>
+                    <a:p>
+                      <a:pPr latinLnBrk="1"/>
+                      <a:r>
+                        <a:rPr lang="en-US" altLang="ko-KR" b="1" dirty="0"/>
+                        <a:t>10/1</a:t>
+                      </a:r>
+                      <a:endParaRPr lang="ko-KR" altLang="en-US" b="1" dirty="0"/>
+                    </a:p>
+                  </a:txBody>
+                  <a:tcPr/>
+                </a:tc>
+                <a:tc>
+                  <a:txBody>
+                    <a:bodyPr/>
+                    <a:lstStyle/>
+                    <a:p>
+                      <a:pPr algn="ctr" latinLnBrk="1"/>
+                      <a:r>
+                        <a:rPr lang="ko-KR" altLang="en-US" b="1" dirty="0"/>
+                        <a:t>자료수집</a:t>
+                      </a:r>
+                      <a:endParaRPr lang="en-US" altLang="ko-KR" b="1" dirty="0"/>
+                    </a:p>
+                    <a:p>
+                      <a:pPr algn="ctr" latinLnBrk="1"/>
+                      <a:r>
+                        <a:rPr lang="ko-KR" altLang="en-US" b="1" dirty="0"/>
+                        <a:t>좌표 정하기</a:t>
+                      </a:r>
+                    </a:p>
+                  </a:txBody>
+                  <a:tcPr anchor="ctr"/>
+                </a:tc>
+                <a:tc>
+                  <a:txBody>
+                    <a:bodyPr/>
+                    <a:lstStyle/>
+                    <a:p>
+                      <a:pPr latinLnBrk="1"/>
+                      <a:r>
+                        <a:rPr lang="en-US" altLang="ko-KR" sz="1200" b="1" dirty="0"/>
+                        <a:t>1.</a:t>
+                      </a:r>
+                      <a:r>
+                        <a:rPr lang="ko-KR" altLang="en-US" sz="1200" b="1" dirty="0"/>
+                        <a:t>리소스 수집</a:t>
+                      </a:r>
+                      <a:endParaRPr lang="en-US" altLang="ko-KR" sz="1200" b="1" dirty="0"/>
+                    </a:p>
+                    <a:p>
+                      <a:pPr latinLnBrk="1"/>
+                      <a:r>
+                        <a:rPr lang="en-US" altLang="ko-KR" sz="1200" b="1" dirty="0"/>
+                        <a:t>2. </a:t>
+                      </a:r>
+                      <a:r>
+                        <a:rPr lang="ko-KR" altLang="en-US" sz="1200" b="1" dirty="0"/>
+                        <a:t>체력 바</a:t>
+                      </a:r>
+                      <a:r>
+                        <a:rPr lang="en-US" altLang="ko-KR" sz="1200" b="1" dirty="0"/>
+                        <a:t>, </a:t>
+                      </a:r>
+                      <a:r>
+                        <a:rPr lang="ko-KR" altLang="en-US" sz="1200" b="1" dirty="0"/>
+                        <a:t>캐릭터 위치</a:t>
+                      </a:r>
+                      <a:r>
+                        <a:rPr lang="en-US" altLang="ko-KR" sz="1200" b="1" dirty="0"/>
+                        <a:t>, </a:t>
+                      </a:r>
+                      <a:r>
+                        <a:rPr lang="ko-KR" altLang="en-US" sz="1200" b="1" dirty="0"/>
+                        <a:t>카드 위치 등 좌표를 지정한다</a:t>
+                      </a:r>
+                      <a:endParaRPr lang="en-US" altLang="ko-KR" sz="1200" b="1" dirty="0"/>
+                    </a:p>
+                    <a:p>
+                      <a:pPr latinLnBrk="1"/>
+                      <a:r>
+                        <a:rPr lang="en-US" altLang="ko-KR" sz="1200" b="1" dirty="0"/>
+                        <a:t>3.</a:t>
+                      </a:r>
+                      <a:r>
+                        <a:rPr lang="ko-KR" altLang="en-US" sz="1200" b="1" dirty="0"/>
+                        <a:t>수집한 리소스를 토대로 캐릭터의 모션</a:t>
+                      </a:r>
+                      <a:r>
+                        <a:rPr lang="en-US" altLang="ko-KR" sz="1200" b="1" dirty="0"/>
+                        <a:t>, </a:t>
+                      </a:r>
+                      <a:r>
+                        <a:rPr lang="ko-KR" altLang="en-US" sz="1200" b="1" dirty="0"/>
+                        <a:t>스킬 애니메이션을 만든다</a:t>
+                      </a:r>
+                      <a:r>
+                        <a:rPr lang="en-US" altLang="ko-KR" sz="1200" b="1" dirty="0"/>
+                        <a:t>.</a:t>
+                      </a:r>
+                      <a:endParaRPr lang="ko-KR" altLang="en-US" sz="1600" b="1" dirty="0"/>
+                    </a:p>
+                  </a:txBody>
+                  <a:tcPr anchor="ctr"/>
+                </a:tc>
+                <a:extLst>
+                  <a:ext uri="{0D108BD9-81ED-4DB2-BD59-A6C34878D82A}">
+                    <a16:rowId xmlns:a16="http://schemas.microsoft.com/office/drawing/2014/main" val="1201508862"/>
+                  </a:ext>
+                </a:extLst>
+              </a:tr>
+              <a:tr h="612487">
+                <a:tc>
+                  <a:txBody>
+                    <a:bodyPr/>
+                    <a:lstStyle/>
+                    <a:p>
+                      <a:pPr latinLnBrk="1"/>
+                      <a:r>
+                        <a:rPr lang="en-US" altLang="ko-KR" b="1" dirty="0"/>
+                        <a:t>2</a:t>
+                      </a:r>
+                      <a:r>
+                        <a:rPr lang="ko-KR" altLang="en-US" b="1" dirty="0"/>
+                        <a:t>주차</a:t>
+                      </a:r>
+                      <a:endParaRPr lang="en-US" altLang="ko-KR" b="1" dirty="0"/>
+                    </a:p>
+                    <a:p>
+                      <a:pPr latinLnBrk="1"/>
+                      <a:r>
+                        <a:rPr lang="en-US" altLang="ko-KR" b="1" dirty="0"/>
+                        <a:t>10/8</a:t>
+                      </a:r>
+                      <a:endParaRPr lang="ko-KR" altLang="en-US" b="1" dirty="0"/>
+                    </a:p>
+                  </a:txBody>
+                  <a:tcPr/>
+                </a:tc>
+                <a:tc>
+                  <a:txBody>
+                    <a:bodyPr/>
+                    <a:lstStyle/>
+                    <a:p>
+                      <a:pPr latinLnBrk="1"/>
+                      <a:r>
+                        <a:rPr lang="ko-KR" altLang="en-US" b="1" dirty="0"/>
+                        <a:t>마우스 동작</a:t>
+                      </a:r>
+                    </a:p>
+                  </a:txBody>
+                  <a:tcPr anchor="ctr"/>
+                </a:tc>
+                <a:tc>
+                  <a:txBody>
+                    <a:bodyPr/>
+                    <a:lstStyle/>
+                    <a:p>
+                      <a:pPr marL="0" indent="0" latinLnBrk="1">
+                        <a:buNone/>
+                      </a:pPr>
+                      <a:r>
+                        <a:rPr lang="en-US" altLang="ko-KR" sz="1200" b="1" dirty="0"/>
+                        <a:t>1.</a:t>
+                      </a:r>
+                      <a:r>
+                        <a:rPr lang="ko-KR" altLang="en-US" sz="1200" b="1" dirty="0"/>
+                        <a:t>게임 시작 처리</a:t>
+                      </a:r>
+                      <a:r>
+                        <a:rPr lang="en-US" altLang="ko-KR" sz="1200" b="1" dirty="0"/>
+                        <a:t>, </a:t>
+                      </a:r>
+                      <a:r>
+                        <a:rPr lang="ko-KR" altLang="en-US" sz="1200" b="1" dirty="0"/>
+                        <a:t>난이도 설정 처리</a:t>
+                      </a:r>
+                      <a:endParaRPr lang="en-US" altLang="ko-KR" sz="1200" b="1" dirty="0"/>
+                    </a:p>
+                    <a:p>
+                      <a:pPr marL="0" indent="0" latinLnBrk="1">
+                        <a:buNone/>
+                      </a:pPr>
+                      <a:r>
+                        <a:rPr lang="en-US" altLang="ko-KR" sz="1200" b="1" dirty="0"/>
+                        <a:t>2.</a:t>
+                      </a:r>
+                      <a:r>
+                        <a:rPr lang="ko-KR" altLang="en-US" sz="1200" b="1" dirty="0"/>
+                        <a:t>캐릭터 선택 처리</a:t>
+                      </a:r>
+                      <a:r>
+                        <a:rPr lang="en-US" altLang="ko-KR" sz="1200" b="1" dirty="0"/>
+                        <a:t>, </a:t>
+                      </a:r>
+                      <a:r>
+                        <a:rPr lang="ko-KR" altLang="en-US" sz="1200" b="1" dirty="0" err="1"/>
+                        <a:t>덱</a:t>
+                      </a:r>
+                      <a:r>
+                        <a:rPr lang="ko-KR" altLang="en-US" sz="1200" b="1" dirty="0"/>
+                        <a:t> 구성 처리</a:t>
+                      </a:r>
+                      <a:endParaRPr lang="en-US" altLang="ko-KR" sz="1200" b="1" dirty="0"/>
+                    </a:p>
+                    <a:p>
+                      <a:pPr latinLnBrk="1"/>
+                      <a:r>
+                        <a:rPr lang="en-US" altLang="ko-KR" sz="1200" b="1" dirty="0"/>
+                        <a:t>3. </a:t>
+                      </a:r>
+                      <a:r>
+                        <a:rPr lang="ko-KR" altLang="en-US" sz="1200" b="1" dirty="0"/>
+                        <a:t>카드 선택 처리</a:t>
+                      </a:r>
+                      <a:r>
+                        <a:rPr lang="en-US" altLang="ko-KR" sz="1200" b="1" dirty="0"/>
+                        <a:t>, </a:t>
+                      </a:r>
+                      <a:r>
+                        <a:rPr lang="ko-KR" altLang="en-US" sz="1200" b="1" dirty="0"/>
+                        <a:t>동작에 따른 애니메이션 실행</a:t>
+                      </a:r>
+                    </a:p>
+                  </a:txBody>
+                  <a:tcPr anchor="ctr"/>
+                </a:tc>
+                <a:extLst>
+                  <a:ext uri="{0D108BD9-81ED-4DB2-BD59-A6C34878D82A}">
+                    <a16:rowId xmlns:a16="http://schemas.microsoft.com/office/drawing/2014/main" val="382612330"/>
+                  </a:ext>
+                </a:extLst>
+              </a:tr>
+              <a:tr h="612487">
+                <a:tc>
+                  <a:txBody>
+                    <a:bodyPr/>
+                    <a:lstStyle/>
+                    <a:p>
+                      <a:pPr latinLnBrk="1"/>
+                      <a:r>
+                        <a:rPr lang="en-US" altLang="ko-KR" b="1" dirty="0"/>
+                        <a:t>3</a:t>
+                      </a:r>
+                      <a:r>
+                        <a:rPr lang="ko-KR" altLang="en-US" b="1" dirty="0"/>
+                        <a:t>주차</a:t>
+                      </a:r>
+                      <a:endParaRPr lang="en-US" altLang="ko-KR" b="1" dirty="0"/>
+                    </a:p>
+                    <a:p>
+                      <a:pPr latinLnBrk="1"/>
+                      <a:r>
+                        <a:rPr lang="en-US" altLang="ko-KR" b="1" dirty="0"/>
+                        <a:t>10/15</a:t>
+                      </a:r>
+                      <a:endParaRPr lang="ko-KR" altLang="en-US" b="1" dirty="0"/>
+                    </a:p>
+                  </a:txBody>
+                  <a:tcPr/>
+                </a:tc>
+                <a:tc>
+                  <a:txBody>
+                    <a:bodyPr/>
+                    <a:lstStyle/>
+                    <a:p>
+                      <a:pPr algn="ctr" latinLnBrk="1"/>
+                      <a:r>
+                        <a:rPr lang="ko-KR" altLang="en-US" sz="1800" b="1" dirty="0" err="1"/>
+                        <a:t>덱</a:t>
+                      </a:r>
+                      <a:r>
+                        <a:rPr lang="ko-KR" altLang="en-US" sz="1800" b="1" dirty="0"/>
+                        <a:t> 구성</a:t>
+                      </a:r>
+                    </a:p>
+                  </a:txBody>
+                  <a:tcPr anchor="ctr"/>
+                </a:tc>
+                <a:tc>
+                  <a:txBody>
+                    <a:bodyPr/>
+                    <a:lstStyle/>
+                    <a:p>
+                      <a:pPr marL="0" indent="0" latinLnBrk="1">
+                        <a:buNone/>
+                      </a:pPr>
+                      <a:r>
+                        <a:rPr lang="en-US" altLang="ko-KR" sz="1100" b="1" dirty="0"/>
+                        <a:t>1.</a:t>
+                      </a:r>
+                      <a:r>
+                        <a:rPr lang="ko-KR" altLang="en-US" sz="1100" b="1" dirty="0"/>
+                        <a:t>선택한 카드 들을 랜덤으로 섞는 것을 구현한다</a:t>
+                      </a:r>
+                      <a:r>
+                        <a:rPr lang="en-US" altLang="ko-KR" sz="1100" b="1" dirty="0"/>
+                        <a:t>.</a:t>
+                      </a:r>
+                    </a:p>
+                    <a:p>
+                      <a:pPr marL="0" indent="0" algn="l" latinLnBrk="1">
+                        <a:buNone/>
+                      </a:pPr>
+                      <a:r>
+                        <a:rPr lang="en-US" altLang="ko-KR" sz="1100" b="1" dirty="0"/>
+                        <a:t>2.3</a:t>
+                      </a:r>
+                      <a:r>
+                        <a:rPr lang="ko-KR" altLang="en-US" sz="1100" b="1" dirty="0"/>
+                        <a:t>장씩 </a:t>
+                      </a:r>
+                      <a:r>
+                        <a:rPr lang="ko-KR" altLang="en-US" sz="1100" b="1" dirty="0" err="1"/>
+                        <a:t>덱에서</a:t>
+                      </a:r>
+                      <a:r>
+                        <a:rPr lang="ko-KR" altLang="en-US" sz="1100" b="1" dirty="0"/>
+                        <a:t> 카드 선택 칸으로 나오는 것을 구현한다</a:t>
+                      </a:r>
+                      <a:r>
+                        <a:rPr lang="en-US" altLang="ko-KR" sz="1100" b="1" dirty="0"/>
+                        <a:t>.</a:t>
+                      </a:r>
+                    </a:p>
+                    <a:p>
+                      <a:pPr marL="0" indent="0" latinLnBrk="1">
+                        <a:buNone/>
+                      </a:pPr>
+                      <a:r>
+                        <a:rPr lang="en-US" altLang="ko-KR" sz="1100" b="1" dirty="0"/>
+                        <a:t>3.</a:t>
+                      </a:r>
+                      <a:r>
+                        <a:rPr lang="ko-KR" altLang="en-US" sz="1100" b="1" dirty="0" err="1"/>
+                        <a:t>덱의</a:t>
+                      </a:r>
+                      <a:r>
+                        <a:rPr lang="ko-KR" altLang="en-US" sz="1100" b="1" dirty="0"/>
+                        <a:t> 장수가 </a:t>
+                      </a:r>
+                      <a:r>
+                        <a:rPr lang="en-US" altLang="ko-KR" sz="1100" b="1" dirty="0"/>
+                        <a:t>0</a:t>
+                      </a:r>
+                      <a:r>
+                        <a:rPr lang="ko-KR" altLang="en-US" sz="1100" b="1" dirty="0"/>
+                        <a:t>장이 되었을 때 다시 </a:t>
+                      </a:r>
+                      <a:r>
+                        <a:rPr lang="en-US" altLang="ko-KR" sz="1100" b="1" dirty="0"/>
+                        <a:t>15</a:t>
+                      </a:r>
+                      <a:r>
+                        <a:rPr lang="ko-KR" altLang="en-US" sz="1100" b="1" dirty="0"/>
+                        <a:t>장으로 리셋 되는 것을 구현한다</a:t>
+                      </a:r>
+                      <a:r>
+                        <a:rPr lang="en-US" altLang="ko-KR" sz="1100" b="1" dirty="0"/>
+                        <a:t>.</a:t>
+                      </a:r>
+                      <a:endParaRPr lang="ko-KR" altLang="en-US" sz="1100" b="1" dirty="0"/>
+                    </a:p>
+                  </a:txBody>
+                  <a:tcPr anchor="ctr"/>
+                </a:tc>
+                <a:extLst>
+                  <a:ext uri="{0D108BD9-81ED-4DB2-BD59-A6C34878D82A}">
+                    <a16:rowId xmlns:a16="http://schemas.microsoft.com/office/drawing/2014/main" val="1670581588"/>
+                  </a:ext>
+                </a:extLst>
+              </a:tr>
+              <a:tr h="612487">
+                <a:tc>
+                  <a:txBody>
+                    <a:bodyPr/>
+                    <a:lstStyle/>
+                    <a:p>
+                      <a:pPr latinLnBrk="1"/>
+                      <a:r>
+                        <a:rPr lang="en-US" altLang="ko-KR" b="1" dirty="0"/>
+                        <a:t>4</a:t>
+                      </a:r>
+                      <a:r>
+                        <a:rPr lang="ko-KR" altLang="en-US" b="1" dirty="0"/>
+                        <a:t>주차</a:t>
+                      </a:r>
+                      <a:endParaRPr lang="en-US" altLang="ko-KR" b="1" dirty="0"/>
+                    </a:p>
+                    <a:p>
+                      <a:pPr latinLnBrk="1"/>
+                      <a:r>
+                        <a:rPr lang="en-US" altLang="ko-KR" b="1" dirty="0"/>
+                        <a:t>10/22</a:t>
+                      </a:r>
+                      <a:endParaRPr lang="ko-KR" altLang="en-US" b="1" dirty="0"/>
+                    </a:p>
+                  </a:txBody>
+                  <a:tcPr/>
+                </a:tc>
+                <a:tc>
+                  <a:txBody>
+                    <a:bodyPr/>
+                    <a:lstStyle/>
+                    <a:p>
+                      <a:pPr algn="ctr" latinLnBrk="1"/>
+                      <a:r>
+                        <a:rPr lang="ko-KR" altLang="en-US" b="1" dirty="0"/>
+                        <a:t>스킬 구성</a:t>
+                      </a:r>
+                    </a:p>
+                  </a:txBody>
+                  <a:tcPr anchor="ctr"/>
+                </a:tc>
+                <a:tc>
+                  <a:txBody>
+                    <a:bodyPr/>
+                    <a:lstStyle/>
+                    <a:p>
+                      <a:pPr latinLnBrk="1"/>
+                      <a:r>
+                        <a:rPr lang="en-US" altLang="ko-KR" sz="1200" b="1" dirty="0"/>
+                        <a:t>1.</a:t>
+                      </a:r>
+                      <a:r>
+                        <a:rPr lang="ko-KR" altLang="en-US" sz="1200" b="1" dirty="0"/>
+                        <a:t>각각 캐릭터 스킬들의 애니메이션을 지정한다</a:t>
+                      </a:r>
+                      <a:r>
+                        <a:rPr lang="en-US" altLang="ko-KR" sz="1200" b="1" dirty="0"/>
+                        <a:t>.</a:t>
+                      </a:r>
+                    </a:p>
+                    <a:p>
+                      <a:pPr latinLnBrk="1"/>
+                      <a:r>
+                        <a:rPr lang="en-US" altLang="ko-KR" sz="1200" b="1" dirty="0"/>
+                        <a:t>2.</a:t>
+                      </a:r>
+                      <a:r>
+                        <a:rPr lang="ko-KR" altLang="en-US" sz="1200" b="1" dirty="0"/>
+                        <a:t>스킬 피격 시 체력 게이지 감소</a:t>
+                      </a:r>
+                      <a:endParaRPr lang="en-US" altLang="ko-KR" sz="1200" b="1" dirty="0"/>
+                    </a:p>
+                  </a:txBody>
+                  <a:tcPr anchor="ctr"/>
+                </a:tc>
+                <a:extLst>
+                  <a:ext uri="{0D108BD9-81ED-4DB2-BD59-A6C34878D82A}">
+                    <a16:rowId xmlns:a16="http://schemas.microsoft.com/office/drawing/2014/main" val="1882187832"/>
+                  </a:ext>
+                </a:extLst>
+              </a:tr>
+              <a:tr h="612487">
+                <a:tc>
+                  <a:txBody>
+                    <a:bodyPr/>
+                    <a:lstStyle/>
+                    <a:p>
+                      <a:pPr latinLnBrk="1"/>
+                      <a:r>
+                        <a:rPr lang="en-US" altLang="ko-KR" b="1" dirty="0"/>
+                        <a:t>5</a:t>
+                      </a:r>
+                      <a:r>
+                        <a:rPr lang="ko-KR" altLang="en-US" b="1" dirty="0"/>
+                        <a:t>주차</a:t>
+                      </a:r>
+                      <a:endParaRPr lang="en-US" altLang="ko-KR" b="1" dirty="0"/>
+                    </a:p>
+                    <a:p>
+                      <a:pPr latinLnBrk="1"/>
+                      <a:r>
+                        <a:rPr lang="en-US" altLang="ko-KR" b="1" dirty="0"/>
+                        <a:t>10/29</a:t>
+                      </a:r>
+                      <a:endParaRPr lang="ko-KR" altLang="en-US" b="1" dirty="0"/>
+                    </a:p>
+                  </a:txBody>
+                  <a:tcPr/>
+                </a:tc>
+                <a:tc>
+                  <a:txBody>
+                    <a:bodyPr/>
+                    <a:lstStyle/>
+                    <a:p>
+                      <a:pPr algn="ctr" latinLnBrk="1"/>
+                      <a:r>
+                        <a:rPr lang="ko-KR" altLang="en-US" b="1" dirty="0"/>
+                        <a:t>적 </a:t>
+                      </a:r>
+                      <a:r>
+                        <a:rPr lang="en-US" altLang="ko-KR" b="1" dirty="0"/>
+                        <a:t>AI</a:t>
+                      </a:r>
+                      <a:endParaRPr lang="ko-KR" altLang="en-US" b="1" dirty="0"/>
+                    </a:p>
+                  </a:txBody>
+                  <a:tcPr anchor="ctr"/>
+                </a:tc>
+                <a:tc>
+                  <a:txBody>
+                    <a:bodyPr/>
+                    <a:lstStyle/>
+                    <a:p>
+                      <a:pPr marL="342900" indent="-342900" latinLnBrk="1">
+                        <a:buAutoNum type="arabicPeriod"/>
+                      </a:pPr>
+                      <a:r>
+                        <a:rPr lang="ko-KR" altLang="en-US" sz="1400" b="1" dirty="0"/>
+                        <a:t>자신의 상황에 따라 대응을 바꾼다</a:t>
+                      </a:r>
+                      <a:r>
+                        <a:rPr lang="en-US" altLang="ko-KR" sz="1400" b="1" dirty="0"/>
+                        <a:t>.</a:t>
+                      </a:r>
+                    </a:p>
+                  </a:txBody>
+                  <a:tcPr anchor="ctr"/>
+                </a:tc>
+                <a:extLst>
+                  <a:ext uri="{0D108BD9-81ED-4DB2-BD59-A6C34878D82A}">
+                    <a16:rowId xmlns:a16="http://schemas.microsoft.com/office/drawing/2014/main" val="2069818873"/>
+                  </a:ext>
+                </a:extLst>
+              </a:tr>
+              <a:tr h="612487">
+                <a:tc>
+                  <a:txBody>
+                    <a:bodyPr/>
+                    <a:lstStyle/>
+                    <a:p>
+                      <a:pPr latinLnBrk="1"/>
+                      <a:r>
+                        <a:rPr lang="en-US" altLang="ko-KR" b="1" dirty="0"/>
+                        <a:t>6</a:t>
+                      </a:r>
+                      <a:r>
+                        <a:rPr lang="ko-KR" altLang="en-US" b="1" dirty="0"/>
+                        <a:t>주차</a:t>
+                      </a:r>
+                      <a:endParaRPr lang="en-US" altLang="ko-KR" b="1" dirty="0"/>
+                    </a:p>
+                    <a:p>
+                      <a:pPr latinLnBrk="1"/>
+                      <a:r>
+                        <a:rPr lang="en-US" altLang="ko-KR" b="1" dirty="0"/>
+                        <a:t>11/5</a:t>
+                      </a:r>
+                      <a:endParaRPr lang="ko-KR" altLang="en-US" b="1" dirty="0"/>
+                    </a:p>
+                  </a:txBody>
+                  <a:tcPr/>
+                </a:tc>
+                <a:tc>
+                  <a:txBody>
+                    <a:bodyPr/>
+                    <a:lstStyle/>
+                    <a:p>
+                      <a:pPr latinLnBrk="1"/>
+                      <a:r>
+                        <a:rPr lang="ko-KR" altLang="en-US" b="1" dirty="0"/>
+                        <a:t> 중간 점검</a:t>
+                      </a:r>
+                    </a:p>
+                  </a:txBody>
+                  <a:tcPr anchor="ctr"/>
+                </a:tc>
+                <a:tc>
+                  <a:txBody>
+                    <a:bodyPr/>
+                    <a:lstStyle/>
+                    <a:p>
+                      <a:pPr marL="342900" indent="-342900" latinLnBrk="1">
+                        <a:buAutoNum type="arabicPeriod"/>
+                      </a:pPr>
+                      <a:r>
+                        <a:rPr lang="ko-KR" altLang="en-US" sz="1400" b="1" dirty="0"/>
+                        <a:t>간단 플레이 적</a:t>
+                      </a:r>
+                      <a:r>
+                        <a:rPr lang="en-US" altLang="ko-KR" sz="1400" b="1" dirty="0"/>
+                        <a:t>AI</a:t>
+                      </a:r>
+                      <a:r>
+                        <a:rPr lang="ko-KR" altLang="en-US" sz="1400" b="1" dirty="0"/>
+                        <a:t>점검 애니메이션출력 점검</a:t>
+                      </a:r>
+                      <a:endParaRPr lang="en-US" altLang="ko-KR" sz="1400" b="1" dirty="0"/>
+                    </a:p>
+                    <a:p>
+                      <a:pPr marL="342900" indent="-342900" latinLnBrk="1">
+                        <a:buAutoNum type="arabicPeriod"/>
+                      </a:pPr>
+                      <a:r>
+                        <a:rPr lang="ko-KR" altLang="en-US" sz="1400" b="1" dirty="0"/>
+                        <a:t>미흡한 부분 보완</a:t>
+                      </a:r>
+                    </a:p>
+                  </a:txBody>
+                  <a:tcPr anchor="ctr"/>
+                </a:tc>
+                <a:extLst>
+                  <a:ext uri="{0D108BD9-81ED-4DB2-BD59-A6C34878D82A}">
+                    <a16:rowId xmlns:a16="http://schemas.microsoft.com/office/drawing/2014/main" val="2116677089"/>
+                  </a:ext>
+                </a:extLst>
+              </a:tr>
+              <a:tr h="612487">
+                <a:tc>
+                  <a:txBody>
+                    <a:bodyPr/>
+                    <a:lstStyle/>
+                    <a:p>
+                      <a:pPr latinLnBrk="1"/>
+                      <a:r>
+                        <a:rPr lang="en-US" altLang="ko-KR" b="1" dirty="0"/>
+                        <a:t>7</a:t>
+                      </a:r>
+                      <a:r>
+                        <a:rPr lang="ko-KR" altLang="en-US" b="1" dirty="0"/>
+                        <a:t>주차</a:t>
+                      </a:r>
+                      <a:endParaRPr lang="en-US" altLang="ko-KR" b="1" dirty="0"/>
+                    </a:p>
+                    <a:p>
+                      <a:pPr latinLnBrk="1"/>
+                      <a:r>
+                        <a:rPr lang="en-US" altLang="ko-KR" b="1" dirty="0"/>
+                        <a:t>11/12</a:t>
+                      </a:r>
+                      <a:endParaRPr lang="ko-KR" altLang="en-US" b="1" dirty="0"/>
+                    </a:p>
+                  </a:txBody>
+                  <a:tcPr/>
+                </a:tc>
+                <a:tc>
+                  <a:txBody>
+                    <a:bodyPr/>
+                    <a:lstStyle/>
+                    <a:p>
+                      <a:pPr algn="ctr" latinLnBrk="1"/>
+                      <a:r>
+                        <a:rPr lang="ko-KR" altLang="en-US" b="1" dirty="0"/>
+                        <a:t>사운드</a:t>
+                      </a:r>
+                    </a:p>
+                  </a:txBody>
+                  <a:tcPr anchor="ctr"/>
+                </a:tc>
+                <a:tc>
+                  <a:txBody>
+                    <a:bodyPr/>
+                    <a:lstStyle/>
+                    <a:p>
+                      <a:pPr marL="342900" indent="-342900" latinLnBrk="1">
+                        <a:buAutoNum type="arabicPeriod"/>
+                      </a:pPr>
+                      <a:r>
+                        <a:rPr lang="ko-KR" altLang="en-US" b="1" dirty="0"/>
+                        <a:t>배경에 따른 배경음악 구현</a:t>
+                      </a:r>
+                      <a:endParaRPr lang="en-US" altLang="ko-KR" b="1" dirty="0"/>
+                    </a:p>
+                    <a:p>
+                      <a:pPr marL="342900" indent="-342900" latinLnBrk="1">
+                        <a:buAutoNum type="arabicPeriod"/>
+                      </a:pPr>
+                      <a:r>
+                        <a:rPr lang="ko-KR" altLang="en-US" b="1" dirty="0"/>
+                        <a:t>캐릭터 각자의 음성 구현</a:t>
+                      </a:r>
+                    </a:p>
+                  </a:txBody>
+                  <a:tcPr anchor="ctr"/>
+                </a:tc>
+                <a:extLst>
+                  <a:ext uri="{0D108BD9-81ED-4DB2-BD59-A6C34878D82A}">
+                    <a16:rowId xmlns:a16="http://schemas.microsoft.com/office/drawing/2014/main" val="204490796"/>
+                  </a:ext>
+                </a:extLst>
+              </a:tr>
+              <a:tr h="612487">
+                <a:tc>
+                  <a:txBody>
+                    <a:bodyPr/>
+                    <a:lstStyle/>
+                    <a:p>
+                      <a:pPr latinLnBrk="1"/>
+                      <a:r>
+                        <a:rPr lang="en-US" altLang="ko-KR" b="1" dirty="0"/>
+                        <a:t>8</a:t>
+                      </a:r>
+                      <a:r>
+                        <a:rPr lang="ko-KR" altLang="en-US" b="1" dirty="0"/>
+                        <a:t>주차</a:t>
+                      </a:r>
+                      <a:endParaRPr lang="en-US" altLang="ko-KR" b="1" dirty="0"/>
+                    </a:p>
+                    <a:p>
+                      <a:pPr latinLnBrk="1"/>
+                      <a:r>
+                        <a:rPr lang="en-US" altLang="ko-KR" b="1" dirty="0"/>
+                        <a:t>11/19</a:t>
+                      </a:r>
+                      <a:endParaRPr lang="ko-KR" altLang="en-US" b="1" dirty="0"/>
+                    </a:p>
+                  </a:txBody>
+                  <a:tcPr/>
+                </a:tc>
+                <a:tc>
+                  <a:txBody>
+                    <a:bodyPr/>
+                    <a:lstStyle/>
+                    <a:p>
+                      <a:pPr algn="ctr" latinLnBrk="1"/>
+                      <a:r>
+                        <a:rPr lang="en-US" altLang="ko-KR" sz="1400" b="1" dirty="0"/>
+                        <a:t>AI </a:t>
+                      </a:r>
+                      <a:r>
+                        <a:rPr lang="ko-KR" altLang="en-US" sz="1400" b="1" dirty="0"/>
+                        <a:t>최종 및 </a:t>
+                      </a:r>
+                      <a:endParaRPr lang="en-US" altLang="ko-KR" sz="1400" b="1" dirty="0"/>
+                    </a:p>
+                    <a:p>
+                      <a:pPr algn="ctr" latinLnBrk="1"/>
+                      <a:r>
+                        <a:rPr lang="ko-KR" altLang="en-US" sz="1400" b="1" dirty="0"/>
+                        <a:t>추가구현</a:t>
+                      </a:r>
+                    </a:p>
+                  </a:txBody>
+                  <a:tcPr anchor="ctr"/>
+                </a:tc>
+                <a:tc>
+                  <a:txBody>
+                    <a:bodyPr/>
+                    <a:lstStyle/>
+                    <a:p>
+                      <a:pPr marL="342900" indent="-342900" latinLnBrk="1">
+                        <a:buAutoNum type="arabicPeriod"/>
+                      </a:pPr>
+                      <a:r>
+                        <a:rPr lang="ko-KR" altLang="en-US" sz="1200" b="1" dirty="0"/>
+                        <a:t>난이도에 따른 적 </a:t>
+                      </a:r>
+                      <a:r>
+                        <a:rPr lang="en-US" altLang="ko-KR" sz="1200" b="1" dirty="0"/>
+                        <a:t>AI </a:t>
+                      </a:r>
+                      <a:r>
+                        <a:rPr lang="ko-KR" altLang="en-US" sz="1200" b="1" dirty="0"/>
+                        <a:t>세분화</a:t>
+                      </a:r>
+                      <a:endParaRPr lang="en-US" altLang="ko-KR" sz="1200" b="1" dirty="0"/>
+                    </a:p>
+                    <a:p>
+                      <a:pPr marL="342900" indent="-342900" latinLnBrk="1">
+                        <a:buAutoNum type="arabicPeriod"/>
+                      </a:pPr>
+                      <a:r>
+                        <a:rPr lang="ko-KR" altLang="en-US" sz="1200" b="1" dirty="0"/>
+                        <a:t>콤보 구성</a:t>
+                      </a:r>
+                      <a:endParaRPr lang="en-US" altLang="ko-KR" sz="1200" b="1" dirty="0"/>
+                    </a:p>
+                    <a:p>
+                      <a:pPr marL="342900" indent="-342900" latinLnBrk="1">
+                        <a:buAutoNum type="arabicPeriod"/>
+                      </a:pPr>
+                      <a:r>
+                        <a:rPr lang="ko-KR" altLang="en-US" sz="1200" b="1" dirty="0"/>
+                        <a:t>날씨에 대한 효과 추가</a:t>
+                      </a:r>
+                    </a:p>
+                  </a:txBody>
+                  <a:tcPr anchor="ctr"/>
+                </a:tc>
+                <a:extLst>
+                  <a:ext uri="{0D108BD9-81ED-4DB2-BD59-A6C34878D82A}">
+                    <a16:rowId xmlns:a16="http://schemas.microsoft.com/office/drawing/2014/main" val="2959897680"/>
+                  </a:ext>
+                </a:extLst>
+              </a:tr>
+            </a:tbl>
+          </a:graphicData>
+        </a:graphic>
+      </p:graphicFrame>
+      <p:graphicFrame>
+        <p:nvGraphicFramePr>
+          <p:cNvPr id="7" name="표 6">
+            <a:extLst>
+              <a:ext uri="{FF2B5EF4-FFF2-40B4-BE49-F238E27FC236}">
+                <a16:creationId xmlns:a16="http://schemas.microsoft.com/office/drawing/2014/main" id="{E049F6EB-6F87-4981-8B73-0EE71C37FC3F}"/>
+              </a:ext>
+            </a:extLst>
+          </p:cNvPr>
+          <p:cNvGraphicFramePr>
+            <a:graphicFrameLocks noGrp="1"/>
+          </p:cNvGraphicFramePr>
+          <p:nvPr>
+            <p:extLst>
+              <p:ext uri="{D42A27DB-BD31-4B8C-83A1-F6EECF244321}">
+                <p14:modId xmlns:p14="http://schemas.microsoft.com/office/powerpoint/2010/main" val="3002619317"/>
+              </p:ext>
+            </p:extLst>
+          </p:nvPr>
+        </p:nvGraphicFramePr>
+        <p:xfrm>
+          <a:off x="-1" y="5781040"/>
+          <a:ext cx="8127999" cy="640080"/>
+        </p:xfrm>
+        <a:graphic>
+          <a:graphicData uri="http://schemas.openxmlformats.org/drawingml/2006/table">
+            <a:tbl>
+              <a:tblPr firstRow="1" bandRow="1">
+                <a:tableStyleId>{69CF1AB2-1976-4502-BF36-3FF5EA218861}</a:tableStyleId>
+              </a:tblPr>
+              <a:tblGrid>
+                <a:gridCol w="1004165">
+                  <a:extLst>
+                    <a:ext uri="{9D8B030D-6E8A-4147-A177-3AD203B41FA5}">
+                      <a16:colId xmlns:a16="http://schemas.microsoft.com/office/drawing/2014/main" val="371787345"/>
+                    </a:ext>
+                  </a:extLst>
+                </a:gridCol>
+                <a:gridCol w="1464815">
+                  <a:extLst>
+                    <a:ext uri="{9D8B030D-6E8A-4147-A177-3AD203B41FA5}">
+                      <a16:colId xmlns:a16="http://schemas.microsoft.com/office/drawing/2014/main" val="3195734443"/>
+                    </a:ext>
+                  </a:extLst>
+                </a:gridCol>
+                <a:gridCol w="5659019">
+                  <a:extLst>
+                    <a:ext uri="{9D8B030D-6E8A-4147-A177-3AD203B41FA5}">
+                      <a16:colId xmlns:a16="http://schemas.microsoft.com/office/drawing/2014/main" val="886775024"/>
+                    </a:ext>
+                  </a:extLst>
+                </a:gridCol>
+              </a:tblGrid>
+              <a:tr h="571500">
+                <a:tc>
+                  <a:txBody>
+                    <a:bodyPr/>
+                    <a:lstStyle/>
+                    <a:p>
+                      <a:pPr latinLnBrk="1"/>
+                      <a:r>
+                        <a:rPr lang="en-US" altLang="ko-KR" dirty="0"/>
+                        <a:t>9</a:t>
+                      </a:r>
+                      <a:r>
+                        <a:rPr lang="ko-KR" altLang="en-US" dirty="0"/>
+                        <a:t>주차</a:t>
+                      </a:r>
+                      <a:endParaRPr lang="en-US" altLang="ko-KR" dirty="0"/>
+                    </a:p>
+                    <a:p>
+                      <a:pPr latinLnBrk="1"/>
+                      <a:r>
+                        <a:rPr lang="en-US" altLang="ko-KR" dirty="0"/>
+                        <a:t>11/26</a:t>
+                      </a:r>
+                      <a:endParaRPr lang="ko-KR" altLang="en-US" dirty="0"/>
+                    </a:p>
+                  </a:txBody>
+                  <a:tcPr/>
+                </a:tc>
+                <a:tc>
+                  <a:txBody>
+                    <a:bodyPr/>
+                    <a:lstStyle/>
+                    <a:p>
+                      <a:pPr algn="ctr" latinLnBrk="1"/>
+                      <a:r>
+                        <a:rPr lang="ko-KR" altLang="en-US" dirty="0"/>
+                        <a:t>마무리</a:t>
+                      </a:r>
+                    </a:p>
+                  </a:txBody>
+                  <a:tcPr anchor="ctr"/>
+                </a:tc>
+                <a:tc>
+                  <a:txBody>
+                    <a:bodyPr/>
+                    <a:lstStyle/>
+                    <a:p>
+                      <a:pPr algn="ctr" latinLnBrk="1"/>
+                      <a:r>
+                        <a:rPr lang="ko-KR" altLang="en-US" dirty="0"/>
+                        <a:t>최종 점검 및 릴리즈</a:t>
+                      </a:r>
+                    </a:p>
+                  </a:txBody>
+                  <a:tcPr anchor="ctr"/>
+                </a:tc>
+                <a:extLst>
+                  <a:ext uri="{0D108BD9-81ED-4DB2-BD59-A6C34878D82A}">
+                    <a16:rowId xmlns:a16="http://schemas.microsoft.com/office/drawing/2014/main" val="754367559"/>
+                  </a:ext>
+                </a:extLst>
+              </a:tr>
+            </a:tbl>
+          </a:graphicData>
+        </a:graphic>
+      </p:graphicFrame>
+      <p:graphicFrame>
+        <p:nvGraphicFramePr>
+          <p:cNvPr id="4" name="표 3">
+            <a:extLst>
+              <a:ext uri="{FF2B5EF4-FFF2-40B4-BE49-F238E27FC236}">
+                <a16:creationId xmlns:a16="http://schemas.microsoft.com/office/drawing/2014/main" id="{DD282028-D4EE-4A14-9624-4DC11AC6DE4A}"/>
+              </a:ext>
+            </a:extLst>
+          </p:cNvPr>
+          <p:cNvGraphicFramePr>
+            <a:graphicFrameLocks noGrp="1"/>
+          </p:cNvGraphicFramePr>
+          <p:nvPr>
+            <p:extLst>
+              <p:ext uri="{D42A27DB-BD31-4B8C-83A1-F6EECF244321}">
+                <p14:modId xmlns:p14="http://schemas.microsoft.com/office/powerpoint/2010/main" val="200916859"/>
+              </p:ext>
+            </p:extLst>
+          </p:nvPr>
+        </p:nvGraphicFramePr>
+        <p:xfrm>
+          <a:off x="8127998" y="651497"/>
+          <a:ext cx="3976018" cy="3220195"/>
+        </p:xfrm>
+        <a:graphic>
+          <a:graphicData uri="http://schemas.openxmlformats.org/drawingml/2006/table">
+            <a:tbl>
+              <a:tblPr firstRow="1" bandRow="1">
+                <a:tableStyleId>{5C22544A-7EE6-4342-B048-85BDC9FD1C3A}</a:tableStyleId>
+              </a:tblPr>
+              <a:tblGrid>
+                <a:gridCol w="1091416">
+                  <a:extLst>
+                    <a:ext uri="{9D8B030D-6E8A-4147-A177-3AD203B41FA5}">
+                      <a16:colId xmlns:a16="http://schemas.microsoft.com/office/drawing/2014/main" val="975985928"/>
+                    </a:ext>
+                  </a:extLst>
+                </a:gridCol>
+                <a:gridCol w="2884602">
+                  <a:extLst>
+                    <a:ext uri="{9D8B030D-6E8A-4147-A177-3AD203B41FA5}">
+                      <a16:colId xmlns:a16="http://schemas.microsoft.com/office/drawing/2014/main" val="2238649821"/>
+                    </a:ext>
+                  </a:extLst>
+                </a:gridCol>
+              </a:tblGrid>
+              <a:tr h="644039">
+                <a:tc>
+                  <a:txBody>
+                    <a:bodyPr/>
+                    <a:lstStyle/>
+                    <a:p>
+                      <a:pPr latinLnBrk="1"/>
+                      <a:r>
+                        <a:rPr lang="en-US" altLang="ko-KR" dirty="0">
+                          <a:solidFill>
+                            <a:schemeClr val="tx1"/>
+                          </a:solidFill>
+                        </a:rPr>
+                        <a:t>100%</a:t>
+                      </a:r>
+                      <a:endParaRPr lang="ko-KR" altLang="en-US" dirty="0">
+                        <a:solidFill>
+                          <a:schemeClr val="tx1"/>
+                        </a:solidFill>
+                      </a:endParaRPr>
+                    </a:p>
+                  </a:txBody>
+                  <a:tcPr>
+                    <a:lnL w="12700" cap="flat" cmpd="sng" algn="ctr">
+                      <a:solidFill>
+                        <a:schemeClr val="tx1"/>
+                      </a:solidFill>
+                      <a:prstDash val="solid"/>
+                      <a:round/>
+                      <a:headEnd type="none" w="med" len="med"/>
+                      <a:tailEnd type="none" w="med" len="med"/>
+                    </a:lnL>
+                    <a:lnR w="12700" cap="flat" cmpd="sng" algn="ctr">
+                      <a:solidFill>
+                        <a:schemeClr val="tx1"/>
+                      </a:solidFill>
+                      <a:prstDash val="solid"/>
+                      <a:round/>
+                      <a:headEnd type="none" w="med" len="med"/>
+                      <a:tailEnd type="none" w="med" len="med"/>
+                    </a:lnR>
+                    <a:lnT w="12700" cap="flat" cmpd="sng" algn="ctr">
+                      <a:solidFill>
+                        <a:schemeClr val="tx1"/>
+                      </a:solidFill>
+                      <a:prstDash val="solid"/>
+                      <a:round/>
+                      <a:headEnd type="none" w="med" len="med"/>
+                      <a:tailEnd type="none" w="med" len="med"/>
+                    </a:lnT>
+                    <a:lnB w="12700" cap="flat" cmpd="sng" algn="ctr">
+                      <a:solidFill>
+                        <a:schemeClr val="tx1"/>
+                      </a:solidFill>
+                      <a:prstDash val="solid"/>
+                      <a:round/>
+                      <a:headEnd type="none" w="med" len="med"/>
+                      <a:tailEnd type="none" w="med" len="med"/>
+                    </a:lnB>
+                    <a:lnTlToBr w="12700" cmpd="sng">
+                      <a:noFill/>
+                      <a:prstDash val="solid"/>
+                    </a:lnTlToBr>
+                    <a:lnBlToTr w="12700" cmpd="sng">
+                      <a:noFill/>
+                      <a:prstDash val="solid"/>
+                    </a:lnBlToTr>
+                  </a:tcPr>
+                </a:tc>
+                <a:tc>
+                  <a:txBody>
+                    <a:bodyPr/>
+                    <a:lstStyle/>
+                    <a:p>
+                      <a:pPr latinLnBrk="1"/>
+                      <a:r>
+                        <a:rPr lang="ko-KR" altLang="en-US" sz="1100" dirty="0" err="1">
+                          <a:solidFill>
+                            <a:schemeClr val="tx1"/>
+                          </a:solidFill>
+                        </a:rPr>
+                        <a:t>리로스</a:t>
+                      </a:r>
+                      <a:r>
+                        <a:rPr lang="ko-KR" altLang="en-US" sz="1100" dirty="0">
+                          <a:solidFill>
+                            <a:schemeClr val="tx1"/>
+                          </a:solidFill>
+                        </a:rPr>
+                        <a:t> 수집완료</a:t>
+                      </a:r>
+                      <a:endParaRPr lang="en-US" altLang="ko-KR" sz="1100" dirty="0">
+                        <a:solidFill>
+                          <a:schemeClr val="tx1"/>
+                        </a:solidFill>
+                      </a:endParaRPr>
+                    </a:p>
+                    <a:p>
+                      <a:pPr latinLnBrk="1"/>
+                      <a:r>
+                        <a:rPr lang="ko-KR" altLang="en-US" sz="1100" dirty="0">
+                          <a:solidFill>
+                            <a:schemeClr val="tx1"/>
+                          </a:solidFill>
+                        </a:rPr>
+                        <a:t>좌표지정완료</a:t>
+                      </a:r>
+                      <a:endParaRPr lang="en-US" altLang="ko-KR" sz="1100" dirty="0">
+                        <a:solidFill>
+                          <a:schemeClr val="tx1"/>
+                        </a:solidFill>
+                      </a:endParaRPr>
+                    </a:p>
+                    <a:p>
+                      <a:pPr latinLnBrk="1"/>
+                      <a:r>
+                        <a:rPr lang="ko-KR" altLang="en-US" sz="1100" dirty="0">
+                          <a:solidFill>
+                            <a:schemeClr val="tx1"/>
+                          </a:solidFill>
+                        </a:rPr>
+                        <a:t>애니메이션 제작</a:t>
+                      </a:r>
+                    </a:p>
+                  </a:txBody>
+                  <a:tcPr>
+                    <a:lnL w="12700" cap="flat" cmpd="sng" algn="ctr">
+                      <a:solidFill>
+                        <a:schemeClr val="tx1"/>
+                      </a:solidFill>
+                      <a:prstDash val="solid"/>
+                      <a:round/>
+                      <a:headEnd type="none" w="med" len="med"/>
+                      <a:tailEnd type="none" w="med" len="med"/>
+                    </a:lnL>
+                    <a:lnR w="12700" cap="flat" cmpd="sng" algn="ctr">
+                      <a:solidFill>
+                        <a:schemeClr val="tx1"/>
+                      </a:solidFill>
+                      <a:prstDash val="solid"/>
+                      <a:round/>
+                      <a:headEnd type="none" w="med" len="med"/>
+                      <a:tailEnd type="none" w="med" len="med"/>
+                    </a:lnR>
+                    <a:lnT w="12700" cap="flat" cmpd="sng" algn="ctr">
+                      <a:solidFill>
+                        <a:schemeClr val="tx1"/>
+                      </a:solidFill>
+                      <a:prstDash val="solid"/>
+                      <a:round/>
+                      <a:headEnd type="none" w="med" len="med"/>
+                      <a:tailEnd type="none" w="med" len="med"/>
+                    </a:lnT>
+                    <a:lnB w="12700" cap="flat" cmpd="sng" algn="ctr">
+                      <a:solidFill>
+                        <a:schemeClr val="tx1"/>
+                      </a:solidFill>
+                      <a:prstDash val="solid"/>
+                      <a:round/>
+                      <a:headEnd type="none" w="med" len="med"/>
+                      <a:tailEnd type="none" w="med" len="med"/>
+                    </a:lnB>
+                    <a:lnTlToBr w="12700" cmpd="sng">
+                      <a:noFill/>
+                      <a:prstDash val="solid"/>
+                    </a:lnTlToBr>
+                    <a:lnBlToTr w="12700" cmpd="sng">
+                      <a:noFill/>
+                      <a:prstDash val="solid"/>
+                    </a:lnBlToTr>
+                  </a:tcPr>
+                </a:tc>
+                <a:extLst>
+                  <a:ext uri="{0D108BD9-81ED-4DB2-BD59-A6C34878D82A}">
+                    <a16:rowId xmlns:a16="http://schemas.microsoft.com/office/drawing/2014/main" val="540649417"/>
+                  </a:ext>
+                </a:extLst>
+              </a:tr>
+              <a:tr h="644039">
+                <a:tc>
+                  <a:txBody>
+                    <a:bodyPr/>
+                    <a:lstStyle/>
+                    <a:p>
+                      <a:pPr latinLnBrk="1"/>
+                      <a:r>
+                        <a:rPr lang="en-US" altLang="ko-KR" dirty="0"/>
+                        <a:t>95%</a:t>
+                      </a:r>
+                      <a:endParaRPr lang="ko-KR" altLang="en-US" dirty="0"/>
+                    </a:p>
+                  </a:txBody>
+                  <a:tcPr>
+                    <a:lnL w="12700" cap="flat" cmpd="sng" algn="ctr">
+                      <a:solidFill>
+                        <a:schemeClr val="tx1"/>
+                      </a:solidFill>
+                      <a:prstDash val="solid"/>
+                      <a:round/>
+                      <a:headEnd type="none" w="med" len="med"/>
+                      <a:tailEnd type="none" w="med" len="med"/>
+                    </a:lnL>
+                    <a:lnR w="12700" cap="flat" cmpd="sng" algn="ctr">
+                      <a:solidFill>
+                        <a:schemeClr val="tx1"/>
+                      </a:solidFill>
+                      <a:prstDash val="solid"/>
+                      <a:round/>
+                      <a:headEnd type="none" w="med" len="med"/>
+                      <a:tailEnd type="none" w="med" len="med"/>
+                    </a:lnR>
+                    <a:lnT w="12700" cap="flat" cmpd="sng" algn="ctr">
+                      <a:solidFill>
+                        <a:schemeClr val="tx1"/>
+                      </a:solidFill>
+                      <a:prstDash val="solid"/>
+                      <a:round/>
+                      <a:headEnd type="none" w="med" len="med"/>
+                      <a:tailEnd type="none" w="med" len="med"/>
+                    </a:lnT>
+                    <a:lnB w="12700" cap="flat" cmpd="sng" algn="ctr">
+                      <a:solidFill>
+                        <a:schemeClr val="tx1"/>
+                      </a:solidFill>
+                      <a:prstDash val="solid"/>
+                      <a:round/>
+                      <a:headEnd type="none" w="med" len="med"/>
+                      <a:tailEnd type="none" w="med" len="med"/>
+                    </a:lnB>
+                    <a:lnTlToBr w="12700" cmpd="sng">
+                      <a:noFill/>
+                      <a:prstDash val="solid"/>
+                    </a:lnTlToBr>
+                    <a:lnBlToTr w="12700" cmpd="sng">
+                      <a:noFill/>
+                      <a:prstDash val="solid"/>
+                    </a:lnBlToTr>
+                  </a:tcPr>
+                </a:tc>
+                <a:tc>
+                  <a:txBody>
+                    <a:bodyPr/>
+                    <a:lstStyle/>
+                    <a:p>
+                      <a:pPr latinLnBrk="1"/>
+                      <a:r>
+                        <a:rPr lang="ko-KR" altLang="en-US" sz="1100" b="1" dirty="0">
+                          <a:solidFill>
+                            <a:schemeClr val="tx1"/>
+                          </a:solidFill>
+                        </a:rPr>
+                        <a:t>시작 처리완료</a:t>
+                      </a:r>
+                      <a:endParaRPr lang="en-US" altLang="ko-KR" sz="1100" b="1" dirty="0">
+                        <a:solidFill>
+                          <a:schemeClr val="tx1"/>
+                        </a:solidFill>
+                      </a:endParaRPr>
+                    </a:p>
+                    <a:p>
+                      <a:pPr latinLnBrk="1"/>
+                      <a:r>
+                        <a:rPr lang="ko-KR" altLang="en-US" sz="1100" b="1" dirty="0">
+                          <a:solidFill>
+                            <a:schemeClr val="tx1"/>
+                          </a:solidFill>
+                        </a:rPr>
+                        <a:t>캐릭터 선택처리 </a:t>
+                      </a:r>
+                      <a:r>
+                        <a:rPr lang="ko-KR" altLang="en-US" sz="1100" b="1" dirty="0" err="1">
+                          <a:solidFill>
+                            <a:schemeClr val="tx1"/>
+                          </a:solidFill>
+                        </a:rPr>
+                        <a:t>덱</a:t>
+                      </a:r>
+                      <a:r>
+                        <a:rPr lang="ko-KR" altLang="en-US" sz="1100" b="1" dirty="0">
+                          <a:solidFill>
+                            <a:schemeClr val="tx1"/>
+                          </a:solidFill>
+                        </a:rPr>
+                        <a:t> 구성처리 완료</a:t>
+                      </a:r>
+                      <a:endParaRPr lang="en-US" altLang="ko-KR" sz="1100" b="1" dirty="0">
+                        <a:solidFill>
+                          <a:schemeClr val="tx1"/>
+                        </a:solidFill>
+                      </a:endParaRPr>
+                    </a:p>
+                    <a:p>
+                      <a:pPr latinLnBrk="1"/>
+                      <a:r>
+                        <a:rPr lang="ko-KR" altLang="en-US" sz="1100" b="1" dirty="0">
+                          <a:solidFill>
+                            <a:schemeClr val="tx1"/>
+                          </a:solidFill>
+                        </a:rPr>
+                        <a:t>카드선택처리 완료</a:t>
+                      </a:r>
+                    </a:p>
+                  </a:txBody>
+                  <a:tcPr>
+                    <a:lnL w="12700" cap="flat" cmpd="sng" algn="ctr">
+                      <a:solidFill>
+                        <a:schemeClr val="tx1"/>
+                      </a:solidFill>
+                      <a:prstDash val="solid"/>
+                      <a:round/>
+                      <a:headEnd type="none" w="med" len="med"/>
+                      <a:tailEnd type="none" w="med" len="med"/>
+                    </a:lnL>
+                    <a:lnR w="12700" cap="flat" cmpd="sng" algn="ctr">
+                      <a:solidFill>
+                        <a:schemeClr val="tx1"/>
+                      </a:solidFill>
+                      <a:prstDash val="solid"/>
+                      <a:round/>
+                      <a:headEnd type="none" w="med" len="med"/>
+                      <a:tailEnd type="none" w="med" len="med"/>
+                    </a:lnR>
+                    <a:lnT w="12700" cap="flat" cmpd="sng" algn="ctr">
+                      <a:solidFill>
+                        <a:schemeClr val="tx1"/>
+                      </a:solidFill>
+                      <a:prstDash val="solid"/>
+                      <a:round/>
+                      <a:headEnd type="none" w="med" len="med"/>
+                      <a:tailEnd type="none" w="med" len="med"/>
+                    </a:lnT>
+                    <a:lnB w="12700" cap="flat" cmpd="sng" algn="ctr">
+                      <a:solidFill>
+                        <a:schemeClr val="tx1"/>
+                      </a:solidFill>
+                      <a:prstDash val="solid"/>
+                      <a:round/>
+                      <a:headEnd type="none" w="med" len="med"/>
+                      <a:tailEnd type="none" w="med" len="med"/>
+                    </a:lnB>
+                    <a:lnTlToBr w="12700" cmpd="sng">
+                      <a:noFill/>
+                      <a:prstDash val="solid"/>
+                    </a:lnTlToBr>
+                    <a:lnBlToTr w="12700" cmpd="sng">
+                      <a:noFill/>
+                      <a:prstDash val="solid"/>
+                    </a:lnBlToTr>
+                  </a:tcPr>
+                </a:tc>
+                <a:extLst>
+                  <a:ext uri="{0D108BD9-81ED-4DB2-BD59-A6C34878D82A}">
+                    <a16:rowId xmlns:a16="http://schemas.microsoft.com/office/drawing/2014/main" val="3890648134"/>
+                  </a:ext>
+                </a:extLst>
+              </a:tr>
+              <a:tr h="644039">
+                <a:tc>
+                  <a:txBody>
+                    <a:bodyPr/>
+                    <a:lstStyle/>
+                    <a:p>
+                      <a:pPr latinLnBrk="1"/>
+                      <a:r>
+                        <a:rPr lang="en-US" altLang="ko-KR" dirty="0"/>
+                        <a:t>20%</a:t>
+                      </a:r>
+                      <a:endParaRPr lang="ko-KR" altLang="en-US" dirty="0"/>
+                    </a:p>
+                  </a:txBody>
+                  <a:tcPr>
+                    <a:lnL w="12700" cap="flat" cmpd="sng" algn="ctr">
+                      <a:solidFill>
+                        <a:schemeClr val="tx1"/>
+                      </a:solidFill>
+                      <a:prstDash val="solid"/>
+                      <a:round/>
+                      <a:headEnd type="none" w="med" len="med"/>
+                      <a:tailEnd type="none" w="med" len="med"/>
+                    </a:lnL>
+                    <a:lnR w="12700" cap="flat" cmpd="sng" algn="ctr">
+                      <a:solidFill>
+                        <a:schemeClr val="tx1"/>
+                      </a:solidFill>
+                      <a:prstDash val="solid"/>
+                      <a:round/>
+                      <a:headEnd type="none" w="med" len="med"/>
+                      <a:tailEnd type="none" w="med" len="med"/>
+                    </a:lnR>
+                    <a:lnT w="12700" cap="flat" cmpd="sng" algn="ctr">
+                      <a:solidFill>
+                        <a:schemeClr val="tx1"/>
+                      </a:solidFill>
+                      <a:prstDash val="solid"/>
+                      <a:round/>
+                      <a:headEnd type="none" w="med" len="med"/>
+                      <a:tailEnd type="none" w="med" len="med"/>
+                    </a:lnT>
+                    <a:lnB w="12700" cap="flat" cmpd="sng" algn="ctr">
+                      <a:solidFill>
+                        <a:schemeClr val="tx1"/>
+                      </a:solidFill>
+                      <a:prstDash val="solid"/>
+                      <a:round/>
+                      <a:headEnd type="none" w="med" len="med"/>
+                      <a:tailEnd type="none" w="med" len="med"/>
+                    </a:lnB>
+                    <a:lnTlToBr w="12700" cmpd="sng">
+                      <a:noFill/>
+                      <a:prstDash val="solid"/>
+                    </a:lnTlToBr>
+                    <a:lnBlToTr w="12700" cmpd="sng">
+                      <a:noFill/>
+                      <a:prstDash val="solid"/>
+                    </a:lnBlToTr>
+                  </a:tcPr>
+                </a:tc>
+                <a:tc>
+                  <a:txBody>
+                    <a:bodyPr/>
+                    <a:lstStyle/>
+                    <a:p>
+                      <a:pPr latinLnBrk="1"/>
+                      <a:r>
+                        <a:rPr lang="ko-KR" altLang="en-US" b="1" dirty="0" err="1">
+                          <a:solidFill>
+                            <a:schemeClr val="tx1"/>
+                          </a:solidFill>
+                        </a:rPr>
+                        <a:t>덱</a:t>
+                      </a:r>
+                      <a:r>
+                        <a:rPr lang="ko-KR" altLang="en-US" b="1" dirty="0">
+                          <a:solidFill>
+                            <a:schemeClr val="tx1"/>
+                          </a:solidFill>
+                        </a:rPr>
+                        <a:t> 고르기 완료</a:t>
+                      </a:r>
+                    </a:p>
+                  </a:txBody>
+                  <a:tcPr>
+                    <a:lnL w="12700" cap="flat" cmpd="sng" algn="ctr">
+                      <a:solidFill>
+                        <a:schemeClr val="tx1"/>
+                      </a:solidFill>
+                      <a:prstDash val="solid"/>
+                      <a:round/>
+                      <a:headEnd type="none" w="med" len="med"/>
+                      <a:tailEnd type="none" w="med" len="med"/>
+                    </a:lnL>
+                    <a:lnR w="12700" cap="flat" cmpd="sng" algn="ctr">
+                      <a:solidFill>
+                        <a:schemeClr val="tx1"/>
+                      </a:solidFill>
+                      <a:prstDash val="solid"/>
+                      <a:round/>
+                      <a:headEnd type="none" w="med" len="med"/>
+                      <a:tailEnd type="none" w="med" len="med"/>
+                    </a:lnR>
+                    <a:lnT w="12700" cap="flat" cmpd="sng" algn="ctr">
+                      <a:solidFill>
+                        <a:schemeClr val="tx1"/>
+                      </a:solidFill>
+                      <a:prstDash val="solid"/>
+                      <a:round/>
+                      <a:headEnd type="none" w="med" len="med"/>
+                      <a:tailEnd type="none" w="med" len="med"/>
+                    </a:lnT>
+                    <a:lnB w="12700" cap="flat" cmpd="sng" algn="ctr">
+                      <a:solidFill>
+                        <a:schemeClr val="tx1"/>
+                      </a:solidFill>
+                      <a:prstDash val="solid"/>
+                      <a:round/>
+                      <a:headEnd type="none" w="med" len="med"/>
+                      <a:tailEnd type="none" w="med" len="med"/>
+                    </a:lnB>
+                    <a:lnTlToBr w="12700" cmpd="sng">
+                      <a:noFill/>
+                      <a:prstDash val="solid"/>
+                    </a:lnTlToBr>
+                    <a:lnBlToTr w="12700" cmpd="sng">
+                      <a:noFill/>
+                      <a:prstDash val="solid"/>
+                    </a:lnBlToTr>
+                  </a:tcPr>
+                </a:tc>
+                <a:extLst>
+                  <a:ext uri="{0D108BD9-81ED-4DB2-BD59-A6C34878D82A}">
+                    <a16:rowId xmlns:a16="http://schemas.microsoft.com/office/drawing/2014/main" val="3682142769"/>
+                  </a:ext>
+                </a:extLst>
+              </a:tr>
+              <a:tr h="644039">
+                <a:tc>
+                  <a:txBody>
+                    <a:bodyPr/>
+                    <a:lstStyle/>
+                    <a:p>
+                      <a:pPr latinLnBrk="1"/>
+                      <a:r>
+                        <a:rPr lang="en-US" altLang="ko-KR" dirty="0"/>
+                        <a:t>80%</a:t>
+                      </a:r>
+                      <a:endParaRPr lang="ko-KR" altLang="en-US" dirty="0"/>
+                    </a:p>
+                  </a:txBody>
+                  <a:tcPr>
+                    <a:lnL w="12700" cap="flat" cmpd="sng" algn="ctr">
+                      <a:solidFill>
+                        <a:schemeClr val="tx1"/>
+                      </a:solidFill>
+                      <a:prstDash val="solid"/>
+                      <a:round/>
+                      <a:headEnd type="none" w="med" len="med"/>
+                      <a:tailEnd type="none" w="med" len="med"/>
+                    </a:lnL>
+                    <a:lnR w="12700" cap="flat" cmpd="sng" algn="ctr">
+                      <a:solidFill>
+                        <a:schemeClr val="tx1"/>
+                      </a:solidFill>
+                      <a:prstDash val="solid"/>
+                      <a:round/>
+                      <a:headEnd type="none" w="med" len="med"/>
+                      <a:tailEnd type="none" w="med" len="med"/>
+                    </a:lnR>
+                    <a:lnT w="12700" cap="flat" cmpd="sng" algn="ctr">
+                      <a:solidFill>
+                        <a:schemeClr val="tx1"/>
+                      </a:solidFill>
+                      <a:prstDash val="solid"/>
+                      <a:round/>
+                      <a:headEnd type="none" w="med" len="med"/>
+                      <a:tailEnd type="none" w="med" len="med"/>
+                    </a:lnT>
+                    <a:lnB w="12700" cap="flat" cmpd="sng" algn="ctr">
+                      <a:solidFill>
+                        <a:schemeClr val="tx1"/>
+                      </a:solidFill>
+                      <a:prstDash val="solid"/>
+                      <a:round/>
+                      <a:headEnd type="none" w="med" len="med"/>
+                      <a:tailEnd type="none" w="med" len="med"/>
+                    </a:lnB>
+                    <a:lnTlToBr w="12700" cmpd="sng">
+                      <a:noFill/>
+                      <a:prstDash val="solid"/>
+                    </a:lnTlToBr>
+                    <a:lnBlToTr w="12700" cmpd="sng">
+                      <a:noFill/>
+                      <a:prstDash val="solid"/>
+                    </a:lnBlToTr>
+                  </a:tcPr>
+                </a:tc>
+                <a:tc>
+                  <a:txBody>
+                    <a:bodyPr/>
+                    <a:lstStyle/>
+                    <a:p>
+                      <a:pPr latinLnBrk="1"/>
+                      <a:r>
+                        <a:rPr lang="ko-KR" altLang="en-US" sz="1200" b="1" dirty="0"/>
+                        <a:t>캐릭터 별 애니메이션 지정</a:t>
+                      </a:r>
+                      <a:endParaRPr lang="en-US" altLang="ko-KR" sz="1200" b="1" dirty="0"/>
+                    </a:p>
+                    <a:p>
+                      <a:pPr latinLnBrk="1"/>
+                      <a:r>
+                        <a:rPr lang="ko-KR" altLang="en-US" sz="1200" b="1" dirty="0" err="1"/>
+                        <a:t>피격시</a:t>
+                      </a:r>
+                      <a:r>
+                        <a:rPr lang="ko-KR" altLang="en-US" sz="1200" b="1" dirty="0"/>
+                        <a:t> 체력 게이지 감소</a:t>
+                      </a:r>
+                      <a:r>
+                        <a:rPr lang="en-US" altLang="ko-KR" sz="1200" b="1" dirty="0"/>
+                        <a:t>(50%)</a:t>
+                      </a:r>
+                      <a:endParaRPr lang="ko-KR" altLang="en-US" sz="1200" b="1" dirty="0"/>
+                    </a:p>
+                  </a:txBody>
+                  <a:tcPr>
+                    <a:lnL w="12700" cap="flat" cmpd="sng" algn="ctr">
+                      <a:solidFill>
+                        <a:schemeClr val="tx1"/>
+                      </a:solidFill>
+                      <a:prstDash val="solid"/>
+                      <a:round/>
+                      <a:headEnd type="none" w="med" len="med"/>
+                      <a:tailEnd type="none" w="med" len="med"/>
+                    </a:lnL>
+                    <a:lnR w="12700" cap="flat" cmpd="sng" algn="ctr">
+                      <a:solidFill>
+                        <a:schemeClr val="tx1"/>
+                      </a:solidFill>
+                      <a:prstDash val="solid"/>
+                      <a:round/>
+                      <a:headEnd type="none" w="med" len="med"/>
+                      <a:tailEnd type="none" w="med" len="med"/>
+                    </a:lnR>
+                    <a:lnT w="12700" cap="flat" cmpd="sng" algn="ctr">
+                      <a:solidFill>
+                        <a:schemeClr val="tx1"/>
+                      </a:solidFill>
+                      <a:prstDash val="solid"/>
+                      <a:round/>
+                      <a:headEnd type="none" w="med" len="med"/>
+                      <a:tailEnd type="none" w="med" len="med"/>
+                    </a:lnT>
+                    <a:lnB w="12700" cap="flat" cmpd="sng" algn="ctr">
+                      <a:solidFill>
+                        <a:schemeClr val="tx1"/>
+                      </a:solidFill>
+                      <a:prstDash val="solid"/>
+                      <a:round/>
+                      <a:headEnd type="none" w="med" len="med"/>
+                      <a:tailEnd type="none" w="med" len="med"/>
+                    </a:lnB>
+                    <a:lnTlToBr w="12700" cmpd="sng">
+                      <a:noFill/>
+                      <a:prstDash val="solid"/>
+                    </a:lnTlToBr>
+                    <a:lnBlToTr w="12700" cmpd="sng">
+                      <a:noFill/>
+                      <a:prstDash val="solid"/>
+                    </a:lnBlToTr>
+                  </a:tcPr>
+                </a:tc>
+                <a:extLst>
+                  <a:ext uri="{0D108BD9-81ED-4DB2-BD59-A6C34878D82A}">
+                    <a16:rowId xmlns:a16="http://schemas.microsoft.com/office/drawing/2014/main" val="54588942"/>
+                  </a:ext>
+                </a:extLst>
+              </a:tr>
+              <a:tr h="644039">
+                <a:tc>
+                  <a:txBody>
+                    <a:bodyPr/>
+                    <a:lstStyle/>
+                    <a:p>
+                      <a:pPr latinLnBrk="1"/>
+                      <a:r>
+                        <a:rPr lang="en-US" altLang="ko-KR" dirty="0"/>
+                        <a:t>0%</a:t>
+                      </a:r>
+                      <a:endParaRPr lang="ko-KR" altLang="en-US" dirty="0"/>
+                    </a:p>
+                  </a:txBody>
+                  <a:tcPr>
+                    <a:lnL w="12700" cap="flat" cmpd="sng" algn="ctr">
+                      <a:solidFill>
+                        <a:schemeClr val="tx1"/>
+                      </a:solidFill>
+                      <a:prstDash val="solid"/>
+                      <a:round/>
+                      <a:headEnd type="none" w="med" len="med"/>
+                      <a:tailEnd type="none" w="med" len="med"/>
+                    </a:lnL>
+                    <a:lnR w="12700" cap="flat" cmpd="sng" algn="ctr">
+                      <a:solidFill>
+                        <a:schemeClr val="tx1"/>
+                      </a:solidFill>
+                      <a:prstDash val="solid"/>
+                      <a:round/>
+                      <a:headEnd type="none" w="med" len="med"/>
+                      <a:tailEnd type="none" w="med" len="med"/>
+                    </a:lnR>
+                    <a:lnT w="12700" cap="flat" cmpd="sng" algn="ctr">
+                      <a:solidFill>
+                        <a:schemeClr val="tx1"/>
+                      </a:solidFill>
+                      <a:prstDash val="solid"/>
+                      <a:round/>
+                      <a:headEnd type="none" w="med" len="med"/>
+                      <a:tailEnd type="none" w="med" len="med"/>
+                    </a:lnT>
+                    <a:lnB w="12700" cap="flat" cmpd="sng" algn="ctr">
+                      <a:solidFill>
+                        <a:schemeClr val="tx1"/>
+                      </a:solidFill>
+                      <a:prstDash val="solid"/>
+                      <a:round/>
+                      <a:headEnd type="none" w="med" len="med"/>
+                      <a:tailEnd type="none" w="med" len="med"/>
+                    </a:lnB>
+                    <a:lnTlToBr w="12700" cmpd="sng">
+                      <a:noFill/>
+                      <a:prstDash val="solid"/>
+                    </a:lnTlToBr>
+                    <a:lnBlToTr w="12700" cmpd="sng">
+                      <a:noFill/>
+                      <a:prstDash val="solid"/>
+                    </a:lnBlToTr>
+                  </a:tcPr>
+                </a:tc>
+                <a:tc>
+                  <a:txBody>
+                    <a:bodyPr/>
+                    <a:lstStyle/>
+                    <a:p>
+                      <a:pPr latinLnBrk="1"/>
+                      <a:endParaRPr lang="ko-KR" altLang="en-US" dirty="0"/>
+                    </a:p>
+                  </a:txBody>
+                  <a:tcPr>
+                    <a:lnL w="12700" cap="flat" cmpd="sng" algn="ctr">
+                      <a:solidFill>
+                        <a:schemeClr val="tx1"/>
+                      </a:solidFill>
+                      <a:prstDash val="solid"/>
+                      <a:round/>
+                      <a:headEnd type="none" w="med" len="med"/>
+                      <a:tailEnd type="none" w="med" len="med"/>
+                    </a:lnL>
+                    <a:lnR w="12700" cap="flat" cmpd="sng" algn="ctr">
+                      <a:solidFill>
+                        <a:schemeClr val="tx1"/>
+                      </a:solidFill>
+                      <a:prstDash val="solid"/>
+                      <a:round/>
+                      <a:headEnd type="none" w="med" len="med"/>
+                      <a:tailEnd type="none" w="med" len="med"/>
+                    </a:lnR>
+                    <a:lnT w="12700" cap="flat" cmpd="sng" algn="ctr">
+                      <a:solidFill>
+                        <a:schemeClr val="tx1"/>
+                      </a:solidFill>
+                      <a:prstDash val="solid"/>
+                      <a:round/>
+                      <a:headEnd type="none" w="med" len="med"/>
+                      <a:tailEnd type="none" w="med" len="med"/>
+                    </a:lnT>
+                    <a:lnB w="12700" cap="flat" cmpd="sng" algn="ctr">
+                      <a:solidFill>
+                        <a:schemeClr val="tx1"/>
+                      </a:solidFill>
+                      <a:prstDash val="solid"/>
+                      <a:round/>
+                      <a:headEnd type="none" w="med" len="med"/>
+                      <a:tailEnd type="none" w="med" len="med"/>
+                    </a:lnB>
+                    <a:lnTlToBr w="12700" cmpd="sng">
+                      <a:noFill/>
+                      <a:prstDash val="solid"/>
+                    </a:lnTlToBr>
+                    <a:lnBlToTr w="12700" cmpd="sng">
+                      <a:noFill/>
+                      <a:prstDash val="solid"/>
+                    </a:lnBlToTr>
+                  </a:tcPr>
+                </a:tc>
+                <a:extLst>
+                  <a:ext uri="{0D108BD9-81ED-4DB2-BD59-A6C34878D82A}">
+                    <a16:rowId xmlns:a16="http://schemas.microsoft.com/office/drawing/2014/main" val="1599105263"/>
+                  </a:ext>
+                </a:extLst>
+              </a:tr>
+            </a:tbl>
+          </a:graphicData>
+        </a:graphic>
+      </p:graphicFrame>
+      <p:graphicFrame>
+        <p:nvGraphicFramePr>
+          <p:cNvPr id="5" name="표 4">
+            <a:extLst>
+              <a:ext uri="{FF2B5EF4-FFF2-40B4-BE49-F238E27FC236}">
+                <a16:creationId xmlns:a16="http://schemas.microsoft.com/office/drawing/2014/main" id="{85110BE0-3C89-4B85-B2EF-6AC90FF3401D}"/>
+              </a:ext>
+            </a:extLst>
+          </p:cNvPr>
+          <p:cNvGraphicFramePr>
+            <a:graphicFrameLocks noGrp="1"/>
+          </p:cNvGraphicFramePr>
+          <p:nvPr>
+            <p:extLst>
+              <p:ext uri="{D42A27DB-BD31-4B8C-83A1-F6EECF244321}">
+                <p14:modId xmlns:p14="http://schemas.microsoft.com/office/powerpoint/2010/main" val="2447349689"/>
+              </p:ext>
+            </p:extLst>
+          </p:nvPr>
+        </p:nvGraphicFramePr>
+        <p:xfrm>
+          <a:off x="8127998" y="238603"/>
+          <a:ext cx="1100843" cy="365760"/>
+        </p:xfrm>
+        <a:graphic>
+          <a:graphicData uri="http://schemas.openxmlformats.org/drawingml/2006/table">
+            <a:tbl>
+              <a:tblPr firstRow="1" bandRow="1">
+                <a:tableStyleId>{5C22544A-7EE6-4342-B048-85BDC9FD1C3A}</a:tableStyleId>
+              </a:tblPr>
+              <a:tblGrid>
+                <a:gridCol w="1100843">
+                  <a:extLst>
+                    <a:ext uri="{9D8B030D-6E8A-4147-A177-3AD203B41FA5}">
+                      <a16:colId xmlns:a16="http://schemas.microsoft.com/office/drawing/2014/main" val="3679009256"/>
+                    </a:ext>
+                  </a:extLst>
+                </a:gridCol>
+              </a:tblGrid>
+              <a:tr h="357294">
+                <a:tc>
+                  <a:txBody>
+                    <a:bodyPr/>
+                    <a:lstStyle/>
+                    <a:p>
+                      <a:pPr latinLnBrk="1"/>
+                      <a:r>
+                        <a:rPr lang="ko-KR" altLang="en-US" dirty="0">
+                          <a:solidFill>
+                            <a:schemeClr val="tx1"/>
+                          </a:solidFill>
+                        </a:rPr>
+                        <a:t>결과</a:t>
+                      </a:r>
+                    </a:p>
+                  </a:txBody>
+                  <a:tcPr>
+                    <a:lnL w="12700" cap="flat" cmpd="sng" algn="ctr">
+                      <a:solidFill>
+                        <a:schemeClr val="tx1"/>
+                      </a:solidFill>
+                      <a:prstDash val="solid"/>
+                      <a:round/>
+                      <a:headEnd type="none" w="med" len="med"/>
+                      <a:tailEnd type="none" w="med" len="med"/>
+                    </a:lnL>
+                    <a:lnR w="12700" cap="flat" cmpd="sng" algn="ctr">
+                      <a:solidFill>
+                        <a:schemeClr val="tx1"/>
+                      </a:solidFill>
+                      <a:prstDash val="solid"/>
+                      <a:round/>
+                      <a:headEnd type="none" w="med" len="med"/>
+                      <a:tailEnd type="none" w="med" len="med"/>
+                    </a:lnR>
+                    <a:lnT w="12700" cap="flat" cmpd="sng" algn="ctr">
+                      <a:solidFill>
+                        <a:schemeClr val="tx1"/>
+                      </a:solidFill>
+                      <a:prstDash val="solid"/>
+                      <a:round/>
+                      <a:headEnd type="none" w="med" len="med"/>
+                      <a:tailEnd type="none" w="med" len="med"/>
+                    </a:lnT>
+                    <a:lnB w="12700" cap="flat" cmpd="sng" algn="ctr">
+                      <a:solidFill>
+                        <a:schemeClr val="tx1"/>
+                      </a:solidFill>
+                      <a:prstDash val="solid"/>
+                      <a:round/>
+                      <a:headEnd type="none" w="med" len="med"/>
+                      <a:tailEnd type="none" w="med" len="med"/>
+                    </a:lnB>
+                  </a:tcPr>
+                </a:tc>
+                <a:extLst>
+                  <a:ext uri="{0D108BD9-81ED-4DB2-BD59-A6C34878D82A}">
+                    <a16:rowId xmlns:a16="http://schemas.microsoft.com/office/drawing/2014/main" val="2266958379"/>
+                  </a:ext>
+                </a:extLst>
+              </a:tr>
+            </a:tbl>
+          </a:graphicData>
+        </a:graphic>
+      </p:graphicFrame>
+    </p:spTree>
+    <p:extLst>
+      <p:ext uri="{BB962C8B-B14F-4D97-AF65-F5344CB8AC3E}">
+        <p14:creationId xmlns:p14="http://schemas.microsoft.com/office/powerpoint/2010/main" val="125939413"/>
+      </p:ext>
+    </p:extLst>
+  </p:cSld>
+  <p:clrMapOvr>
+    <a:masterClrMapping/>
+  </p:clrMapOvr>
+</p:sld>
+</file>
+
+<file path=ppt/slides/slide5.xml><?xml version="1.0" encoding="utf-8"?>
 <p:sld xmlns:a="http://schemas.openxmlformats.org/drawingml/2006/main" xmlns:r="http://schemas.openxmlformats.org/officeDocument/2006/relationships" xmlns:p="http://schemas.openxmlformats.org/presentationml/2006/main">
   <p:cSld>
     <p:bg>
